--- a/PPT/DAT202.1x Mod 3 Pig and UDFs.pptx
+++ b/PPT/DAT202.1x Mod 3 Pig and UDFs.pptx
@@ -222,7 +222,7 @@
           <a:p>
             <a:fld id="{312E7B4A-039C-48A2-9B2C-AF16AA3873D8}" type="datetimeFigureOut">
               <a:rPr lang="en-US" smtClean="0"/>
-              <a:t>1/4/2016</a:t>
+              <a:t>2/13/2017</a:t>
             </a:fld>
             <a:endParaRPr lang="en-US"/>
           </a:p>
@@ -387,7 +387,7 @@
           <a:p>
             <a:fld id="{DA005A0C-54D9-45AA-87D4-C551D08DFCE1}" type="datetimeFigureOut">
               <a:rPr lang="en-US" smtClean="0"/>
-              <a:t>1/4/2016</a:t>
+              <a:t>2/13/2017</a:t>
             </a:fld>
             <a:endParaRPr lang="en-US"/>
           </a:p>
@@ -451,38 +451,37 @@
           <a:p>
             <a:pPr lvl="0"/>
             <a:r>
-              <a:rPr lang="en-US" smtClean="0"/>
+              <a:rPr lang="en-US"/>
               <a:t>Click to edit Master text styles</a:t>
             </a:r>
           </a:p>
           <a:p>
             <a:pPr lvl="1"/>
             <a:r>
-              <a:rPr lang="en-US" smtClean="0"/>
+              <a:rPr lang="en-US"/>
               <a:t>Second level</a:t>
             </a:r>
           </a:p>
           <a:p>
             <a:pPr lvl="2"/>
             <a:r>
-              <a:rPr lang="en-US" smtClean="0"/>
+              <a:rPr lang="en-US"/>
               <a:t>Third level</a:t>
             </a:r>
           </a:p>
           <a:p>
             <a:pPr lvl="3"/>
             <a:r>
-              <a:rPr lang="en-US" smtClean="0"/>
+              <a:rPr lang="en-US"/>
               <a:t>Fourth level</a:t>
             </a:r>
           </a:p>
           <a:p>
             <a:pPr lvl="4"/>
             <a:r>
-              <a:rPr lang="en-US" smtClean="0"/>
+              <a:rPr lang="en-US"/>
               <a:t>Fifth level</a:t>
             </a:r>
-            <a:endParaRPr lang="en-US"/>
           </a:p>
         </p:txBody>
       </p:sp>
@@ -807,7 +806,7 @@
               <a:defRPr/>
             </a:pPr>
             <a:r>
-              <a:rPr lang="en-US" sz="1200" kern="1200" dirty="0" smtClean="0">
+              <a:rPr lang="en-US" sz="1200" kern="1200" dirty="0">
                 <a:solidFill>
                   <a:schemeClr val="tx1"/>
                 </a:solidFill>
@@ -819,7 +818,7 @@
               <a:t>Pig is an abstraction over </a:t>
             </a:r>
             <a:r>
-              <a:rPr lang="en-US" sz="1200" kern="1200" dirty="0" err="1" smtClean="0">
+              <a:rPr lang="en-US" sz="1200" kern="1200" dirty="0" err="1">
                 <a:solidFill>
                   <a:schemeClr val="tx1"/>
                 </a:solidFill>
@@ -831,7 +830,7 @@
               <a:t>MapReduce</a:t>
             </a:r>
             <a:r>
-              <a:rPr lang="en-US" sz="1200" kern="1200" dirty="0" smtClean="0">
+              <a:rPr lang="en-US" sz="1200" kern="1200" dirty="0">
                 <a:solidFill>
                   <a:schemeClr val="tx1"/>
                 </a:solidFill>
@@ -843,7 +842,7 @@
               <a:t> that enables you to specify commands in a syntax called Pig Latin. These commands are then interpreted by Pig and translated to the corresponding </a:t>
             </a:r>
             <a:r>
-              <a:rPr lang="en-US" sz="1200" kern="1200" dirty="0" err="1" smtClean="0">
+              <a:rPr lang="en-US" sz="1200" kern="1200" dirty="0" err="1">
                 <a:solidFill>
                   <a:schemeClr val="tx1"/>
                 </a:solidFill>
@@ -855,7 +854,7 @@
               <a:t>MapReduce</a:t>
             </a:r>
             <a:r>
-              <a:rPr lang="en-US" sz="1200" kern="1200" dirty="0" smtClean="0">
+              <a:rPr lang="en-US" sz="1200" kern="1200" dirty="0">
                 <a:solidFill>
                   <a:schemeClr val="tx1"/>
                 </a:solidFill>
@@ -867,7 +866,7 @@
               <a:t> jobs. Pig is best suited to data processing scenarios where you can define a series of transformations to be applied to the data in order to generate the desired results. It is generally easier to process data using Pig Latin statements than it is to write custom </a:t>
             </a:r>
             <a:r>
-              <a:rPr lang="en-US" sz="1200" kern="1200" dirty="0" err="1" smtClean="0">
+              <a:rPr lang="en-US" sz="1200" kern="1200" dirty="0" err="1">
                 <a:solidFill>
                   <a:schemeClr val="tx1"/>
                 </a:solidFill>
@@ -879,7 +878,7 @@
               <a:t>MapReduce</a:t>
             </a:r>
             <a:r>
-              <a:rPr lang="en-US" sz="1200" kern="1200" dirty="0" smtClean="0">
+              <a:rPr lang="en-US" sz="1200" kern="1200" dirty="0">
                 <a:solidFill>
                   <a:schemeClr val="tx1"/>
                 </a:solidFill>
@@ -892,7 +891,7 @@
             </a:r>
           </a:p>
           <a:p>
-            <a:endParaRPr lang="en-US" sz="1200" kern="1200" dirty="0" smtClean="0">
+            <a:endParaRPr lang="en-US" sz="1200" kern="1200" dirty="0">
               <a:solidFill>
                 <a:schemeClr val="tx1"/>
               </a:solidFill>
@@ -904,7 +903,7 @@
           </a:p>
           <a:p>
             <a:r>
-              <a:rPr lang="en-US" sz="1200" b="1" kern="1200" dirty="0" smtClean="0">
+              <a:rPr lang="en-US" sz="1200" b="1" kern="1200" dirty="0">
                 <a:solidFill>
                   <a:schemeClr val="tx1"/>
                 </a:solidFill>
@@ -918,7 +917,7 @@
           </a:p>
           <a:p>
             <a:r>
-              <a:rPr lang="en-US" sz="1200" kern="1200" dirty="0" smtClean="0">
+              <a:rPr lang="en-US" sz="1200" kern="1200" dirty="0">
                 <a:solidFill>
                   <a:schemeClr val="tx1"/>
                 </a:solidFill>
@@ -930,7 +929,7 @@
               <a:t>Pig processes data by performing a series of operations on data structures known as </a:t>
             </a:r>
             <a:r>
-              <a:rPr lang="en-US" sz="1200" i="1" kern="1200" dirty="0" smtClean="0">
+              <a:rPr lang="en-US" sz="1200" i="1" kern="1200" dirty="0">
                 <a:solidFill>
                   <a:schemeClr val="tx1"/>
                 </a:solidFill>
@@ -942,7 +941,7 @@
               <a:t>relations</a:t>
             </a:r>
             <a:r>
-              <a:rPr lang="en-US" sz="1200" kern="1200" dirty="0" smtClean="0">
+              <a:rPr lang="en-US" sz="1200" kern="1200" dirty="0">
                 <a:solidFill>
                   <a:schemeClr val="tx1"/>
                 </a:solidFill>
@@ -954,7 +953,7 @@
               <a:t>. Relations are conceptually similar to tables in a relational database system but can be defined using irregular schemas. In common with all </a:t>
             </a:r>
             <a:r>
-              <a:rPr lang="en-US" sz="1200" kern="1200" dirty="0" err="1" smtClean="0">
+              <a:rPr lang="en-US" sz="1200" kern="1200" dirty="0" err="1">
                 <a:solidFill>
                   <a:schemeClr val="tx1"/>
                 </a:solidFill>
@@ -966,7 +965,7 @@
               <a:t>MapReduce</a:t>
             </a:r>
             <a:r>
-              <a:rPr lang="en-US" sz="1200" kern="1200" dirty="0" smtClean="0">
+              <a:rPr lang="en-US" sz="1200" kern="1200" dirty="0">
                 <a:solidFill>
                   <a:schemeClr val="tx1"/>
                 </a:solidFill>
@@ -978,7 +977,7 @@
               <a:t> engines on HDInsight, Pig uses a technique called </a:t>
             </a:r>
             <a:r>
-              <a:rPr lang="en-US" sz="1200" i="1" kern="1200" dirty="0" smtClean="0">
+              <a:rPr lang="en-US" sz="1200" i="1" kern="1200" dirty="0">
                 <a:solidFill>
                   <a:schemeClr val="tx1"/>
                 </a:solidFill>
@@ -990,7 +989,7 @@
               <a:t>schema on read</a:t>
             </a:r>
             <a:r>
-              <a:rPr lang="en-US" sz="1200" kern="1200" dirty="0" smtClean="0">
+              <a:rPr lang="en-US" sz="1200" kern="1200" dirty="0">
                 <a:solidFill>
                   <a:schemeClr val="tx1"/>
                 </a:solidFill>
@@ -1003,7 +1002,7 @@
             </a:r>
           </a:p>
           <a:p>
-            <a:endParaRPr lang="en-US" sz="1200" kern="1200" dirty="0" smtClean="0">
+            <a:endParaRPr lang="en-US" sz="1200" kern="1200" dirty="0">
               <a:solidFill>
                 <a:schemeClr val="tx1"/>
               </a:solidFill>
@@ -1015,7 +1014,7 @@
           </a:p>
           <a:p>
             <a:r>
-              <a:rPr lang="en-US" sz="1200" b="1" kern="1200" dirty="0" smtClean="0">
+              <a:rPr lang="en-US" sz="1200" b="1" kern="1200" dirty="0">
                 <a:solidFill>
                   <a:schemeClr val="tx1"/>
                 </a:solidFill>
@@ -1029,7 +1028,7 @@
           </a:p>
           <a:p>
             <a:r>
-              <a:rPr lang="en-US" sz="1200" kern="1200" dirty="0" smtClean="0">
+              <a:rPr lang="en-US" sz="1200" kern="1200" dirty="0">
                 <a:solidFill>
                   <a:schemeClr val="tx1"/>
                 </a:solidFill>
@@ -1041,7 +1040,7 @@
               <a:t>You can execute Pig Latin statements interactively in the Pig command shell, which is named Grunt. A distribution of Grunt is installed on the </a:t>
             </a:r>
             <a:r>
-              <a:rPr lang="en-US" sz="1200" kern="1200" dirty="0" err="1" smtClean="0">
+              <a:rPr lang="en-US" sz="1200" kern="1200" dirty="0" err="1">
                 <a:solidFill>
                   <a:schemeClr val="tx1"/>
                 </a:solidFill>
@@ -1053,7 +1052,7 @@
               <a:t>HDInsight</a:t>
             </a:r>
             <a:r>
-              <a:rPr lang="en-US" sz="1200" kern="1200" dirty="0" smtClean="0">
+              <a:rPr lang="en-US" sz="1200" kern="1200" dirty="0">
                 <a:solidFill>
                   <a:schemeClr val="tx1"/>
                 </a:solidFill>
@@ -1067,7 +1066,7 @@
           </a:p>
           <a:p>
             <a:r>
-              <a:rPr lang="en-US" sz="1200" kern="1200" dirty="0" smtClean="0">
+              <a:rPr lang="en-US" sz="1200" kern="1200" dirty="0">
                 <a:solidFill>
                   <a:schemeClr val="tx1"/>
                 </a:solidFill>
@@ -1079,7 +1078,7 @@
               <a:t>Alternatively, you can save a sequence of Pig Latin statements as a script (usually with a .pig extension) to be executed at a later time using the command line </a:t>
             </a:r>
             <a:r>
-              <a:rPr lang="en-US" sz="1200" b="1" kern="1200" dirty="0" smtClean="0">
+              <a:rPr lang="en-US" sz="1200" b="1" kern="1200" dirty="0">
                 <a:solidFill>
                   <a:schemeClr val="tx1"/>
                 </a:solidFill>
@@ -1091,7 +1090,7 @@
               <a:t>Pig.exe </a:t>
             </a:r>
             <a:r>
-              <a:rPr lang="en-US" sz="1200" b="1" i="1" kern="1200" dirty="0" err="1" smtClean="0">
+              <a:rPr lang="en-US" sz="1200" b="1" i="1" kern="1200" dirty="0" err="1">
                 <a:solidFill>
                   <a:schemeClr val="tx1"/>
                 </a:solidFill>
@@ -1103,7 +1102,7 @@
               <a:t>script_name.pig</a:t>
             </a:r>
             <a:r>
-              <a:rPr lang="en-US" sz="1200" kern="1200" dirty="0" smtClean="0">
+              <a:rPr lang="en-US" sz="1200" kern="1200" dirty="0">
                 <a:solidFill>
                   <a:schemeClr val="tx1"/>
                 </a:solidFill>
@@ -1201,7 +1200,7 @@
           <a:lstStyle/>
           <a:p>
             <a:r>
-              <a:rPr lang="en-US" sz="1200" b="1" kern="1200" dirty="0" smtClean="0">
+              <a:rPr lang="en-US" sz="1200" b="1" kern="1200" dirty="0">
                 <a:solidFill>
                   <a:schemeClr val="tx1"/>
                 </a:solidFill>
@@ -1215,7 +1214,7 @@
           </a:p>
           <a:p>
             <a:r>
-              <a:rPr lang="en-US" sz="1200" kern="1200" dirty="0" smtClean="0">
+              <a:rPr lang="en-US" sz="1200" kern="1200" dirty="0">
                 <a:solidFill>
                   <a:schemeClr val="tx1"/>
                 </a:solidFill>
@@ -1227,7 +1226,7 @@
               <a:t>This example shows a simple Pig Latin script that is used to process meteorological readings for the date time, </a:t>
             </a:r>
             <a:r>
-              <a:rPr lang="en-US" sz="1200" kern="1200" dirty="0" err="1" smtClean="0">
+              <a:rPr lang="en-US" sz="1200" kern="1200" dirty="0" err="1">
                 <a:solidFill>
                   <a:schemeClr val="tx1"/>
                 </a:solidFill>
@@ -1239,7 +1238,7 @@
               <a:t>windspeed</a:t>
             </a:r>
             <a:r>
-              <a:rPr lang="en-US" sz="1200" kern="1200" dirty="0" smtClean="0">
+              <a:rPr lang="en-US" sz="1200" kern="1200" dirty="0">
                 <a:solidFill>
                   <a:schemeClr val="tx1"/>
                 </a:solidFill>
@@ -1253,7 +1252,7 @@
           </a:p>
           <a:p>
             <a:r>
-              <a:rPr lang="en-US" sz="1200" kern="1200" dirty="0" smtClean="0">
+              <a:rPr lang="en-US" sz="1200" kern="1200" dirty="0">
                 <a:solidFill>
                   <a:schemeClr val="tx1"/>
                 </a:solidFill>
@@ -1267,7 +1266,7 @@
           </a:p>
           <a:p>
             <a:r>
-              <a:rPr lang="en-US" sz="1200" kern="1200" dirty="0" smtClean="0">
+              <a:rPr lang="en-US" sz="1200" kern="1200" dirty="0">
                 <a:solidFill>
                   <a:schemeClr val="tx1"/>
                 </a:solidFill>
@@ -1281,7 +1280,7 @@
           </a:p>
           <a:p>
             <a:r>
-              <a:rPr lang="en-US" sz="1200" kern="1200" dirty="0" smtClean="0">
+              <a:rPr lang="en-US" sz="1200" kern="1200" dirty="0">
                 <a:solidFill>
                   <a:schemeClr val="tx1"/>
                 </a:solidFill>
@@ -1295,7 +1294,7 @@
           </a:p>
           <a:p>
             <a:r>
-              <a:rPr lang="en-US" sz="1200" kern="1200" dirty="0" smtClean="0">
+              <a:rPr lang="en-US" sz="1200" kern="1200" dirty="0">
                 <a:solidFill>
                   <a:schemeClr val="tx1"/>
                 </a:solidFill>
@@ -1309,7 +1308,7 @@
           </a:p>
           <a:p>
             <a:r>
-              <a:rPr lang="en-US" sz="1200" kern="1200" dirty="0" smtClean="0">
+              <a:rPr lang="en-US" sz="1200" kern="1200" dirty="0">
                 <a:solidFill>
                   <a:schemeClr val="tx1"/>
                 </a:solidFill>
@@ -1323,7 +1322,7 @@
           </a:p>
           <a:p>
             <a:r>
-              <a:rPr lang="en-US" sz="1200" kern="1200" dirty="0" smtClean="0">
+              <a:rPr lang="en-US" sz="1200" kern="1200" dirty="0">
                 <a:solidFill>
                   <a:schemeClr val="tx1"/>
                 </a:solidFill>
@@ -1337,7 +1336,7 @@
           </a:p>
           <a:p>
             <a:r>
-              <a:rPr lang="en-US" sz="1200" kern="1200" dirty="0" smtClean="0">
+              <a:rPr lang="en-US" sz="1200" kern="1200" dirty="0">
                 <a:solidFill>
                   <a:schemeClr val="tx1"/>
                 </a:solidFill>
@@ -1351,7 +1350,7 @@
           </a:p>
           <a:p>
             <a:r>
-              <a:rPr lang="en-US" sz="1200" kern="1200" dirty="0" smtClean="0">
+              <a:rPr lang="en-US" sz="1200" kern="1200" dirty="0">
                 <a:solidFill>
                   <a:schemeClr val="tx1"/>
                 </a:solidFill>
@@ -1365,7 +1364,7 @@
           </a:p>
           <a:p>
             <a:r>
-              <a:rPr lang="en-US" sz="1200" kern="1200" dirty="0" smtClean="0">
+              <a:rPr lang="en-US" sz="1200" kern="1200" dirty="0">
                 <a:solidFill>
                   <a:schemeClr val="tx1"/>
                 </a:solidFill>
@@ -1377,7 +1376,7 @@
               <a:t>The following Pig Latin script processes this data and generates a text file that contains the average </a:t>
             </a:r>
             <a:r>
-              <a:rPr lang="en-US" sz="1200" kern="1200" dirty="0" err="1" smtClean="0">
+              <a:rPr lang="en-US" sz="1200" kern="1200" dirty="0" err="1">
                 <a:solidFill>
                   <a:schemeClr val="tx1"/>
                 </a:solidFill>
@@ -1389,7 +1388,7 @@
               <a:t>windspeed</a:t>
             </a:r>
             <a:r>
-              <a:rPr lang="en-US" sz="1200" kern="1200" dirty="0" smtClean="0">
+              <a:rPr lang="en-US" sz="1200" kern="1200" dirty="0">
                 <a:solidFill>
                   <a:schemeClr val="tx1"/>
                 </a:solidFill>
@@ -1403,7 +1402,7 @@
           </a:p>
           <a:p>
             <a:r>
-              <a:rPr lang="en-US" sz="1200" kern="1200" dirty="0" smtClean="0">
+              <a:rPr lang="en-US" sz="1200" kern="1200" dirty="0">
                 <a:solidFill>
                   <a:schemeClr val="tx1"/>
                 </a:solidFill>
@@ -1417,7 +1416,7 @@
           </a:p>
           <a:p>
             <a:r>
-              <a:rPr lang="en-US" sz="1200" kern="1200" dirty="0" smtClean="0">
+              <a:rPr lang="en-US" sz="1200" kern="1200" dirty="0">
                 <a:solidFill>
                   <a:schemeClr val="tx1"/>
                 </a:solidFill>
@@ -1429,7 +1428,7 @@
               <a:t>-- Load comma-delimited source data. Default data type is </a:t>
             </a:r>
             <a:r>
-              <a:rPr lang="en-US" sz="1200" kern="1200" dirty="0" err="1" smtClean="0">
+              <a:rPr lang="en-US" sz="1200" kern="1200" dirty="0" err="1">
                 <a:solidFill>
                   <a:schemeClr val="tx1"/>
                 </a:solidFill>
@@ -1441,7 +1440,7 @@
               <a:t>chararray</a:t>
             </a:r>
             <a:r>
-              <a:rPr lang="en-US" sz="1200" kern="1200" dirty="0" smtClean="0">
+              <a:rPr lang="en-US" sz="1200" kern="1200" dirty="0">
                 <a:solidFill>
                   <a:schemeClr val="tx1"/>
                 </a:solidFill>
@@ -1453,7 +1452,7 @@
               <a:t>, but temp and wind are long </a:t>
             </a:r>
             <a:r>
-              <a:rPr lang="en-US" sz="1200" kern="1200" dirty="0" err="1" smtClean="0">
+              <a:rPr lang="en-US" sz="1200" kern="1200" dirty="0" err="1">
                 <a:solidFill>
                   <a:schemeClr val="tx1"/>
                 </a:solidFill>
@@ -1464,7 +1463,7 @@
               </a:rPr>
               <a:t>ints</a:t>
             </a:r>
-            <a:endParaRPr lang="en-US" sz="1200" kern="1200" dirty="0" smtClean="0">
+            <a:endParaRPr lang="en-US" sz="1200" kern="1200" dirty="0">
               <a:solidFill>
                 <a:schemeClr val="tx1"/>
               </a:solidFill>
@@ -1476,7 +1475,7 @@
           </a:p>
           <a:p>
             <a:r>
-              <a:rPr lang="en-US" sz="1200" kern="1200" dirty="0" smtClean="0">
+              <a:rPr lang="en-US" sz="1200" kern="1200" dirty="0">
                 <a:solidFill>
                   <a:schemeClr val="tx1"/>
                 </a:solidFill>
@@ -1488,7 +1487,7 @@
               <a:t>Readings = LOAD '/weather/data.txt' USING </a:t>
             </a:r>
             <a:r>
-              <a:rPr lang="en-US" sz="1200" kern="1200" dirty="0" err="1" smtClean="0">
+              <a:rPr lang="en-US" sz="1200" kern="1200" dirty="0" err="1">
                 <a:solidFill>
                   <a:schemeClr val="tx1"/>
                 </a:solidFill>
@@ -1500,7 +1499,7 @@
               <a:t>PigStorage</a:t>
             </a:r>
             <a:r>
-              <a:rPr lang="en-US" sz="1200" kern="1200" dirty="0" smtClean="0">
+              <a:rPr lang="en-US" sz="1200" kern="1200" dirty="0">
                 <a:solidFill>
                   <a:schemeClr val="tx1"/>
                 </a:solidFill>
@@ -1512,7 +1511,7 @@
               <a:t>(',') AS (date, time, </a:t>
             </a:r>
             <a:r>
-              <a:rPr lang="en-US" sz="1200" kern="1200" dirty="0" err="1" smtClean="0">
+              <a:rPr lang="en-US" sz="1200" kern="1200" dirty="0" err="1">
                 <a:solidFill>
                   <a:schemeClr val="tx1"/>
                 </a:solidFill>
@@ -1524,7 +1523,7 @@
               <a:t>temp:long</a:t>
             </a:r>
             <a:r>
-              <a:rPr lang="en-US" sz="1200" kern="1200" dirty="0" smtClean="0">
+              <a:rPr lang="en-US" sz="1200" kern="1200" dirty="0">
                 <a:solidFill>
                   <a:schemeClr val="tx1"/>
                 </a:solidFill>
@@ -1536,7 +1535,7 @@
               <a:t>, </a:t>
             </a:r>
             <a:r>
-              <a:rPr lang="en-US" sz="1200" kern="1200" dirty="0" err="1" smtClean="0">
+              <a:rPr lang="en-US" sz="1200" kern="1200" dirty="0" err="1">
                 <a:solidFill>
                   <a:schemeClr val="tx1"/>
                 </a:solidFill>
@@ -1548,7 +1547,7 @@
               <a:t>wind:long</a:t>
             </a:r>
             <a:r>
-              <a:rPr lang="en-US" sz="1200" kern="1200" dirty="0" smtClean="0">
+              <a:rPr lang="en-US" sz="1200" kern="1200" dirty="0">
                 <a:solidFill>
                   <a:schemeClr val="tx1"/>
                 </a:solidFill>
@@ -1562,7 +1561,7 @@
           </a:p>
           <a:p>
             <a:r>
-              <a:rPr lang="en-US" sz="1200" kern="1200" dirty="0" smtClean="0">
+              <a:rPr lang="en-US" sz="1200" kern="1200" dirty="0">
                 <a:solidFill>
                   <a:schemeClr val="tx1"/>
                 </a:solidFill>
@@ -1576,7 +1575,7 @@
           </a:p>
           <a:p>
             <a:r>
-              <a:rPr lang="en-US" sz="1200" kern="1200" dirty="0" err="1" smtClean="0">
+              <a:rPr lang="en-US" sz="1200" kern="1200" dirty="0" err="1">
                 <a:solidFill>
                   <a:schemeClr val="tx1"/>
                 </a:solidFill>
@@ -1588,7 +1587,7 @@
               <a:t>GroupedReadings</a:t>
             </a:r>
             <a:r>
-              <a:rPr lang="en-US" sz="1200" kern="1200" dirty="0" smtClean="0">
+              <a:rPr lang="en-US" sz="1200" kern="1200" dirty="0">
                 <a:solidFill>
                   <a:schemeClr val="tx1"/>
                 </a:solidFill>
@@ -1602,7 +1601,7 @@
           </a:p>
           <a:p>
             <a:r>
-              <a:rPr lang="en-US" sz="1200" kern="1200" dirty="0" smtClean="0">
+              <a:rPr lang="en-US" sz="1200" kern="1200" dirty="0">
                 <a:solidFill>
                   <a:schemeClr val="tx1"/>
                 </a:solidFill>
@@ -1616,7 +1615,7 @@
           </a:p>
           <a:p>
             <a:r>
-              <a:rPr lang="en-US" sz="1200" kern="1200" dirty="0" err="1" smtClean="0">
+              <a:rPr lang="en-US" sz="1200" kern="1200" dirty="0" err="1">
                 <a:solidFill>
                   <a:schemeClr val="tx1"/>
                 </a:solidFill>
@@ -1628,7 +1627,7 @@
               <a:t>GroupedAvgs</a:t>
             </a:r>
             <a:r>
-              <a:rPr lang="en-US" sz="1200" kern="1200" dirty="0" smtClean="0">
+              <a:rPr lang="en-US" sz="1200" kern="1200" dirty="0">
                 <a:solidFill>
                   <a:schemeClr val="tx1"/>
                 </a:solidFill>
@@ -1640,7 +1639,7 @@
               <a:t> = FOREACH </a:t>
             </a:r>
             <a:r>
-              <a:rPr lang="en-US" sz="1200" kern="1200" dirty="0" err="1" smtClean="0">
+              <a:rPr lang="en-US" sz="1200" kern="1200" dirty="0" err="1">
                 <a:solidFill>
                   <a:schemeClr val="tx1"/>
                 </a:solidFill>
@@ -1652,7 +1651,7 @@
               <a:t>GroupedReadings</a:t>
             </a:r>
             <a:r>
-              <a:rPr lang="en-US" sz="1200" kern="1200" dirty="0" smtClean="0">
+              <a:rPr lang="en-US" sz="1200" kern="1200" dirty="0">
                 <a:solidFill>
                   <a:schemeClr val="tx1"/>
                 </a:solidFill>
@@ -1664,7 +1663,7 @@
               <a:t> GENERATE group, AVG(</a:t>
             </a:r>
             <a:r>
-              <a:rPr lang="en-US" sz="1200" kern="1200" dirty="0" err="1" smtClean="0">
+              <a:rPr lang="en-US" sz="1200" kern="1200" dirty="0" err="1">
                 <a:solidFill>
                   <a:schemeClr val="tx1"/>
                 </a:solidFill>
@@ -1676,7 +1675,7 @@
               <a:t>Readings.temp</a:t>
             </a:r>
             <a:r>
-              <a:rPr lang="en-US" sz="1200" kern="1200" dirty="0" smtClean="0">
+              <a:rPr lang="en-US" sz="1200" kern="1200" dirty="0">
                 <a:solidFill>
                   <a:schemeClr val="tx1"/>
                 </a:solidFill>
@@ -1688,7 +1687,7 @@
               <a:t>) AS </a:t>
             </a:r>
             <a:r>
-              <a:rPr lang="en-US" sz="1200" kern="1200" dirty="0" err="1" smtClean="0">
+              <a:rPr lang="en-US" sz="1200" kern="1200" dirty="0" err="1">
                 <a:solidFill>
                   <a:schemeClr val="tx1"/>
                 </a:solidFill>
@@ -1700,7 +1699,7 @@
               <a:t>avgtemp</a:t>
             </a:r>
             <a:r>
-              <a:rPr lang="en-US" sz="1200" kern="1200" dirty="0" smtClean="0">
+              <a:rPr lang="en-US" sz="1200" kern="1200" dirty="0">
                 <a:solidFill>
                   <a:schemeClr val="tx1"/>
                 </a:solidFill>
@@ -1712,7 +1711,7 @@
               <a:t>, AVG(</a:t>
             </a:r>
             <a:r>
-              <a:rPr lang="en-US" sz="1200" kern="1200" dirty="0" err="1" smtClean="0">
+              <a:rPr lang="en-US" sz="1200" kern="1200" dirty="0" err="1">
                 <a:solidFill>
                   <a:schemeClr val="tx1"/>
                 </a:solidFill>
@@ -1724,7 +1723,7 @@
               <a:t>Readings.wind</a:t>
             </a:r>
             <a:r>
-              <a:rPr lang="en-US" sz="1200" kern="1200" dirty="0" smtClean="0">
+              <a:rPr lang="en-US" sz="1200" kern="1200" dirty="0">
                 <a:solidFill>
                   <a:schemeClr val="tx1"/>
                 </a:solidFill>
@@ -1736,7 +1735,7 @@
               <a:t>) AS </a:t>
             </a:r>
             <a:r>
-              <a:rPr lang="en-US" sz="1200" kern="1200" dirty="0" err="1" smtClean="0">
+              <a:rPr lang="en-US" sz="1200" kern="1200" dirty="0" err="1">
                 <a:solidFill>
                   <a:schemeClr val="tx1"/>
                 </a:solidFill>
@@ -1748,7 +1747,7 @@
               <a:t>avgwind</a:t>
             </a:r>
             <a:r>
-              <a:rPr lang="en-US" sz="1200" kern="1200" dirty="0" smtClean="0">
+              <a:rPr lang="en-US" sz="1200" kern="1200" dirty="0">
                 <a:solidFill>
                   <a:schemeClr val="tx1"/>
                 </a:solidFill>
@@ -1762,7 +1761,7 @@
           </a:p>
           <a:p>
             <a:r>
-              <a:rPr lang="en-US" sz="1200" kern="1200" dirty="0" smtClean="0">
+              <a:rPr lang="en-US" sz="1200" kern="1200" dirty="0">
                 <a:solidFill>
                   <a:schemeClr val="tx1"/>
                 </a:solidFill>
@@ -1776,7 +1775,7 @@
           </a:p>
           <a:p>
             <a:r>
-              <a:rPr lang="en-US" sz="1200" kern="1200" dirty="0" err="1" smtClean="0">
+              <a:rPr lang="en-US" sz="1200" kern="1200" dirty="0" err="1">
                 <a:solidFill>
                   <a:schemeClr val="tx1"/>
                 </a:solidFill>
@@ -1788,7 +1787,7 @@
               <a:t>AvgWeather</a:t>
             </a:r>
             <a:r>
-              <a:rPr lang="en-US" sz="1200" kern="1200" dirty="0" smtClean="0">
+              <a:rPr lang="en-US" sz="1200" kern="1200" dirty="0">
                 <a:solidFill>
                   <a:schemeClr val="tx1"/>
                 </a:solidFill>
@@ -1800,7 +1799,7 @@
               <a:t> = FOREACH </a:t>
             </a:r>
             <a:r>
-              <a:rPr lang="en-US" sz="1200" kern="1200" dirty="0" err="1" smtClean="0">
+              <a:rPr lang="en-US" sz="1200" kern="1200" dirty="0" err="1">
                 <a:solidFill>
                   <a:schemeClr val="tx1"/>
                 </a:solidFill>
@@ -1812,7 +1811,7 @@
               <a:t>GroupedAvgs</a:t>
             </a:r>
             <a:r>
-              <a:rPr lang="en-US" sz="1200" kern="1200" dirty="0" smtClean="0">
+              <a:rPr lang="en-US" sz="1200" kern="1200" dirty="0">
                 <a:solidFill>
                   <a:schemeClr val="tx1"/>
                 </a:solidFill>
@@ -1824,7 +1823,7 @@
               <a:t> GENERATE FLATTEN(group) as date, </a:t>
             </a:r>
             <a:r>
-              <a:rPr lang="en-US" sz="1200" kern="1200" dirty="0" err="1" smtClean="0">
+              <a:rPr lang="en-US" sz="1200" kern="1200" dirty="0" err="1">
                 <a:solidFill>
                   <a:schemeClr val="tx1"/>
                 </a:solidFill>
@@ -1836,7 +1835,7 @@
               <a:t>avgtemp</a:t>
             </a:r>
             <a:r>
-              <a:rPr lang="en-US" sz="1200" kern="1200" dirty="0" smtClean="0">
+              <a:rPr lang="en-US" sz="1200" kern="1200" dirty="0">
                 <a:solidFill>
                   <a:schemeClr val="tx1"/>
                 </a:solidFill>
@@ -1848,7 +1847,7 @@
               <a:t>, </a:t>
             </a:r>
             <a:r>
-              <a:rPr lang="en-US" sz="1200" kern="1200" dirty="0" err="1" smtClean="0">
+              <a:rPr lang="en-US" sz="1200" kern="1200" dirty="0" err="1">
                 <a:solidFill>
                   <a:schemeClr val="tx1"/>
                 </a:solidFill>
@@ -1860,7 +1859,7 @@
               <a:t>avgwind</a:t>
             </a:r>
             <a:r>
-              <a:rPr lang="en-US" sz="1200" kern="1200" dirty="0" smtClean="0">
+              <a:rPr lang="en-US" sz="1200" kern="1200" dirty="0">
                 <a:solidFill>
                   <a:schemeClr val="tx1"/>
                 </a:solidFill>
@@ -1874,7 +1873,7 @@
           </a:p>
           <a:p>
             <a:r>
-              <a:rPr lang="en-US" sz="1200" kern="1200" dirty="0" smtClean="0">
+              <a:rPr lang="en-US" sz="1200" kern="1200" dirty="0">
                 <a:solidFill>
                   <a:schemeClr val="tx1"/>
                 </a:solidFill>
@@ -1888,7 +1887,7 @@
           </a:p>
           <a:p>
             <a:r>
-              <a:rPr lang="en-US" sz="1200" kern="1200" dirty="0" err="1" smtClean="0">
+              <a:rPr lang="en-US" sz="1200" kern="1200" dirty="0" err="1">
                 <a:solidFill>
                   <a:schemeClr val="tx1"/>
                 </a:solidFill>
@@ -1900,7 +1899,7 @@
               <a:t>SortedResults</a:t>
             </a:r>
             <a:r>
-              <a:rPr lang="en-US" sz="1200" kern="1200" dirty="0" smtClean="0">
+              <a:rPr lang="en-US" sz="1200" kern="1200" dirty="0">
                 <a:solidFill>
                   <a:schemeClr val="tx1"/>
                 </a:solidFill>
@@ -1912,7 +1911,7 @@
               <a:t> = ORDER </a:t>
             </a:r>
             <a:r>
-              <a:rPr lang="en-US" sz="1200" kern="1200" dirty="0" err="1" smtClean="0">
+              <a:rPr lang="en-US" sz="1200" kern="1200" dirty="0" err="1">
                 <a:solidFill>
                   <a:schemeClr val="tx1"/>
                 </a:solidFill>
@@ -1924,7 +1923,7 @@
               <a:t>AvgWeather</a:t>
             </a:r>
             <a:r>
-              <a:rPr lang="en-US" sz="1200" kern="1200" dirty="0" smtClean="0">
+              <a:rPr lang="en-US" sz="1200" kern="1200" dirty="0">
                 <a:solidFill>
                   <a:schemeClr val="tx1"/>
                 </a:solidFill>
@@ -1938,7 +1937,7 @@
           </a:p>
           <a:p>
             <a:r>
-              <a:rPr lang="en-US" sz="1200" kern="1200" dirty="0" smtClean="0">
+              <a:rPr lang="en-US" sz="1200" kern="1200" dirty="0">
                 <a:solidFill>
                   <a:schemeClr val="tx1"/>
                 </a:solidFill>
@@ -1952,7 +1951,7 @@
           </a:p>
           <a:p>
             <a:r>
-              <a:rPr lang="en-US" sz="1200" kern="1200" dirty="0" smtClean="0">
+              <a:rPr lang="en-US" sz="1200" kern="1200" dirty="0">
                 <a:solidFill>
                   <a:schemeClr val="tx1"/>
                 </a:solidFill>
@@ -1964,7 +1963,7 @@
               <a:t>STORE </a:t>
             </a:r>
             <a:r>
-              <a:rPr lang="en-US" sz="1200" kern="1200" dirty="0" err="1" smtClean="0">
+              <a:rPr lang="en-US" sz="1200" kern="1200" dirty="0" err="1">
                 <a:solidFill>
                   <a:schemeClr val="tx1"/>
                 </a:solidFill>
@@ -1976,7 +1975,7 @@
               <a:t>SortedResults</a:t>
             </a:r>
             <a:r>
-              <a:rPr lang="en-US" sz="1200" kern="1200" dirty="0" smtClean="0">
+              <a:rPr lang="en-US" sz="1200" kern="1200" dirty="0">
                 <a:solidFill>
                   <a:schemeClr val="tx1"/>
                 </a:solidFill>
@@ -1990,7 +1989,7 @@
           </a:p>
           <a:p>
             <a:r>
-              <a:rPr lang="en-US" sz="1200" kern="1200" dirty="0" smtClean="0">
+              <a:rPr lang="en-US" sz="1200" kern="1200" dirty="0">
                 <a:solidFill>
                   <a:schemeClr val="tx1"/>
                 </a:solidFill>
@@ -2004,7 +2003,7 @@
           </a:p>
           <a:p>
             <a:r>
-              <a:rPr lang="en-US" sz="1200" kern="1200" dirty="0" smtClean="0">
+              <a:rPr lang="en-US" sz="1200" kern="1200" dirty="0">
                 <a:solidFill>
                   <a:schemeClr val="tx1"/>
                 </a:solidFill>
@@ -2018,7 +2017,7 @@
           </a:p>
           <a:p>
             <a:r>
-              <a:rPr lang="en-US" sz="1200" kern="1200" dirty="0" smtClean="0">
+              <a:rPr lang="en-US" sz="1200" kern="1200" dirty="0">
                 <a:solidFill>
                   <a:schemeClr val="tx1"/>
                 </a:solidFill>
@@ -2032,7 +2031,7 @@
           </a:p>
           <a:p>
             <a:r>
-              <a:rPr lang="en-US" sz="1200" kern="1200" dirty="0" smtClean="0">
+              <a:rPr lang="en-US" sz="1200" kern="1200" dirty="0">
                 <a:solidFill>
                   <a:schemeClr val="tx1"/>
                 </a:solidFill>
@@ -2130,7 +2129,7 @@
           <a:lstStyle/>
           <a:p>
             <a:r>
-              <a:rPr lang="en-US" sz="1200" b="1" kern="1200" dirty="0" smtClean="0">
+              <a:rPr lang="en-US" sz="1200" b="1" kern="1200" dirty="0">
                 <a:solidFill>
                   <a:schemeClr val="tx1"/>
                 </a:solidFill>
@@ -2144,7 +2143,7 @@
           </a:p>
           <a:p>
             <a:r>
-              <a:rPr lang="en-US" sz="1200" kern="1200" dirty="0" smtClean="0">
+              <a:rPr lang="en-US" sz="1200" kern="1200" dirty="0">
                 <a:solidFill>
                   <a:schemeClr val="tx1"/>
                 </a:solidFill>
@@ -2159,7 +2158,7 @@
           <a:p>
             <a:pPr lvl="0"/>
             <a:r>
-              <a:rPr lang="en-US" sz="1200" b="1" kern="1200" dirty="0" smtClean="0">
+              <a:rPr lang="en-US" sz="1200" b="1" kern="1200" dirty="0">
                 <a:solidFill>
                   <a:schemeClr val="tx1"/>
                 </a:solidFill>
@@ -2171,7 +2170,7 @@
               <a:t>LOAD</a:t>
             </a:r>
             <a:r>
-              <a:rPr lang="en-US" sz="1200" kern="1200" dirty="0" smtClean="0">
+              <a:rPr lang="en-US" sz="1200" kern="1200" dirty="0">
                 <a:solidFill>
                   <a:schemeClr val="tx1"/>
                 </a:solidFill>
@@ -2186,7 +2185,7 @@
           <a:p>
             <a:pPr lvl="0"/>
             <a:r>
-              <a:rPr lang="en-US" sz="1200" b="1" kern="1200" dirty="0" smtClean="0">
+              <a:rPr lang="en-US" sz="1200" b="1" kern="1200" dirty="0">
                 <a:solidFill>
                   <a:schemeClr val="tx1"/>
                 </a:solidFill>
@@ -2198,7 +2197,7 @@
               <a:t>FILTER</a:t>
             </a:r>
             <a:r>
-              <a:rPr lang="en-US" sz="1200" kern="1200" dirty="0" smtClean="0">
+              <a:rPr lang="en-US" sz="1200" kern="1200" dirty="0">
                 <a:solidFill>
                   <a:schemeClr val="tx1"/>
                 </a:solidFill>
@@ -2213,7 +2212,7 @@
           <a:p>
             <a:pPr lvl="0"/>
             <a:r>
-              <a:rPr lang="en-US" sz="1200" b="1" kern="1200" dirty="0" smtClean="0">
+              <a:rPr lang="en-US" sz="1200" b="1" kern="1200" dirty="0">
                 <a:solidFill>
                   <a:schemeClr val="tx1"/>
                 </a:solidFill>
@@ -2225,7 +2224,7 @@
               <a:t>FOREACH…GENERATE</a:t>
             </a:r>
             <a:r>
-              <a:rPr lang="en-US" sz="1200" kern="1200" dirty="0" smtClean="0">
+              <a:rPr lang="en-US" sz="1200" kern="1200" dirty="0">
                 <a:solidFill>
                   <a:schemeClr val="tx1"/>
                 </a:solidFill>
@@ -2240,7 +2239,7 @@
           <a:p>
             <a:pPr lvl="0"/>
             <a:r>
-              <a:rPr lang="en-US" sz="1200" b="1" kern="1200" dirty="0" smtClean="0">
+              <a:rPr lang="en-US" sz="1200" b="1" kern="1200" dirty="0">
                 <a:solidFill>
                   <a:schemeClr val="tx1"/>
                 </a:solidFill>
@@ -2252,7 +2251,7 @@
               <a:t>ORDER</a:t>
             </a:r>
             <a:r>
-              <a:rPr lang="en-US" sz="1200" kern="1200" dirty="0" smtClean="0">
+              <a:rPr lang="en-US" sz="1200" kern="1200" dirty="0">
                 <a:solidFill>
                   <a:schemeClr val="tx1"/>
                 </a:solidFill>
@@ -2267,7 +2266,7 @@
           <a:p>
             <a:pPr lvl="0"/>
             <a:r>
-              <a:rPr lang="en-US" sz="1200" b="1" kern="1200" dirty="0" smtClean="0">
+              <a:rPr lang="en-US" sz="1200" b="1" kern="1200" dirty="0">
                 <a:solidFill>
                   <a:schemeClr val="tx1"/>
                 </a:solidFill>
@@ -2279,7 +2278,7 @@
               <a:t>JOIN</a:t>
             </a:r>
             <a:r>
-              <a:rPr lang="en-US" sz="1200" kern="1200" dirty="0" smtClean="0">
+              <a:rPr lang="en-US" sz="1200" kern="1200" dirty="0">
                 <a:solidFill>
                   <a:schemeClr val="tx1"/>
                 </a:solidFill>
@@ -2294,7 +2293,7 @@
           <a:p>
             <a:pPr lvl="0"/>
             <a:r>
-              <a:rPr lang="en-US" sz="1200" b="1" kern="1200" dirty="0" smtClean="0">
+              <a:rPr lang="en-US" sz="1200" b="1" kern="1200" dirty="0">
                 <a:solidFill>
                   <a:schemeClr val="tx1"/>
                 </a:solidFill>
@@ -2306,7 +2305,7 @@
               <a:t>GROUP</a:t>
             </a:r>
             <a:r>
-              <a:rPr lang="en-US" sz="1200" kern="1200" dirty="0" smtClean="0">
+              <a:rPr lang="en-US" sz="1200" kern="1200" dirty="0">
                 <a:solidFill>
                   <a:schemeClr val="tx1"/>
                 </a:solidFill>
@@ -2318,7 +2317,7 @@
               <a:t>. This operation is used to group rows (referred to as </a:t>
             </a:r>
             <a:r>
-              <a:rPr lang="en-US" sz="1200" i="1" kern="1200" dirty="0" smtClean="0">
+              <a:rPr lang="en-US" sz="1200" i="1" kern="1200" dirty="0">
                 <a:solidFill>
                   <a:schemeClr val="tx1"/>
                 </a:solidFill>
@@ -2330,7 +2329,7 @@
               <a:t>tuples</a:t>
             </a:r>
             <a:r>
-              <a:rPr lang="en-US" sz="1200" kern="1200" dirty="0" smtClean="0">
+              <a:rPr lang="en-US" sz="1200" kern="1200" dirty="0">
                 <a:solidFill>
                   <a:schemeClr val="tx1"/>
                 </a:solidFill>
@@ -2342,7 +2341,7 @@
               <a:t>) with the same column values. A group can be based on multiple columns, and can be ungrouped into individual tuples using the </a:t>
             </a:r>
             <a:r>
-              <a:rPr lang="en-US" sz="1200" b="1" kern="1200" dirty="0" smtClean="0">
+              <a:rPr lang="en-US" sz="1200" b="1" kern="1200" dirty="0">
                 <a:solidFill>
                   <a:schemeClr val="tx1"/>
                 </a:solidFill>
@@ -2354,7 +2353,7 @@
               <a:t>FLATTEN</a:t>
             </a:r>
             <a:r>
-              <a:rPr lang="en-US" sz="1200" kern="1200" dirty="0" smtClean="0">
+              <a:rPr lang="en-US" sz="1200" kern="1200" dirty="0">
                 <a:solidFill>
                   <a:schemeClr val="tx1"/>
                 </a:solidFill>
@@ -2369,7 +2368,7 @@
           <a:p>
             <a:pPr lvl="0"/>
             <a:r>
-              <a:rPr lang="en-US" sz="1200" b="1" kern="1200" dirty="0" smtClean="0">
+              <a:rPr lang="en-US" sz="1200" b="1" kern="1200" dirty="0">
                 <a:solidFill>
                   <a:schemeClr val="tx1"/>
                 </a:solidFill>
@@ -2381,7 +2380,7 @@
               <a:t>LIMIT</a:t>
             </a:r>
             <a:r>
-              <a:rPr lang="en-US" sz="1200" kern="1200" dirty="0" smtClean="0">
+              <a:rPr lang="en-US" sz="1200" kern="1200" dirty="0">
                 <a:solidFill>
                   <a:schemeClr val="tx1"/>
                 </a:solidFill>
@@ -2396,7 +2395,7 @@
           <a:p>
             <a:pPr lvl="0"/>
             <a:r>
-              <a:rPr lang="en-US" sz="1200" b="1" kern="1200" dirty="0" smtClean="0">
+              <a:rPr lang="en-US" sz="1200" b="1" kern="1200" dirty="0">
                 <a:solidFill>
                   <a:schemeClr val="tx1"/>
                 </a:solidFill>
@@ -2408,7 +2407,7 @@
               <a:t>DUMP</a:t>
             </a:r>
             <a:r>
-              <a:rPr lang="en-US" sz="1200" kern="1200" dirty="0" smtClean="0">
+              <a:rPr lang="en-US" sz="1200" kern="1200" dirty="0">
                 <a:solidFill>
                   <a:schemeClr val="tx1"/>
                 </a:solidFill>
@@ -2423,7 +2422,7 @@
           <a:p>
             <a:pPr lvl="0"/>
             <a:r>
-              <a:rPr lang="en-US" sz="1200" b="1" kern="1200" dirty="0" smtClean="0">
+              <a:rPr lang="en-US" sz="1200" b="1" kern="1200" dirty="0">
                 <a:solidFill>
                   <a:schemeClr val="tx1"/>
                 </a:solidFill>
@@ -2435,7 +2434,7 @@
               <a:t>STORE</a:t>
             </a:r>
             <a:r>
-              <a:rPr lang="en-US" sz="1200" kern="1200" dirty="0" smtClean="0">
+              <a:rPr lang="en-US" sz="1200" kern="1200" dirty="0">
                 <a:solidFill>
                   <a:schemeClr val="tx1"/>
                 </a:solidFill>
@@ -2449,7 +2448,7 @@
           </a:p>
           <a:p>
             <a:r>
-              <a:rPr lang="en-US" sz="1200" kern="1200" dirty="0" smtClean="0">
+              <a:rPr lang="en-US" sz="1200" kern="1200" dirty="0">
                 <a:solidFill>
                   <a:schemeClr val="tx1"/>
                 </a:solidFill>
@@ -2463,7 +2462,7 @@
           </a:p>
           <a:p>
             <a:r>
-              <a:rPr lang="en-US" sz="1200" kern="1200" dirty="0" smtClean="0">
+              <a:rPr lang="en-US" sz="1200" kern="1200" dirty="0">
                 <a:solidFill>
                   <a:schemeClr val="tx1"/>
                 </a:solidFill>
@@ -2475,7 +2474,7 @@
               <a:t>Pig Latin also supports common aggregate functions such as </a:t>
             </a:r>
             <a:r>
-              <a:rPr lang="en-US" sz="1200" b="1" kern="1200" dirty="0" smtClean="0">
+              <a:rPr lang="en-US" sz="1200" b="1" kern="1200" dirty="0">
                 <a:solidFill>
                   <a:schemeClr val="tx1"/>
                 </a:solidFill>
@@ -2487,7 +2486,7 @@
               <a:t>AVG</a:t>
             </a:r>
             <a:r>
-              <a:rPr lang="en-US" sz="1200" kern="1200" dirty="0" smtClean="0">
+              <a:rPr lang="en-US" sz="1200" kern="1200" dirty="0">
                 <a:solidFill>
                   <a:schemeClr val="tx1"/>
                 </a:solidFill>
@@ -2499,7 +2498,7 @@
               <a:t>, </a:t>
             </a:r>
             <a:r>
-              <a:rPr lang="en-US" sz="1200" b="1" kern="1200" dirty="0" smtClean="0">
+              <a:rPr lang="en-US" sz="1200" b="1" kern="1200" dirty="0">
                 <a:solidFill>
                   <a:schemeClr val="tx1"/>
                 </a:solidFill>
@@ -2511,7 +2510,7 @@
               <a:t>COUNT</a:t>
             </a:r>
             <a:r>
-              <a:rPr lang="en-US" sz="1200" kern="1200" dirty="0" smtClean="0">
+              <a:rPr lang="en-US" sz="1200" kern="1200" dirty="0">
                 <a:solidFill>
                   <a:schemeClr val="tx1"/>
                 </a:solidFill>
@@ -2523,7 +2522,7 @@
               <a:t>, </a:t>
             </a:r>
             <a:r>
-              <a:rPr lang="en-US" sz="1200" b="1" kern="1200" dirty="0" smtClean="0">
+              <a:rPr lang="en-US" sz="1200" b="1" kern="1200" dirty="0">
                 <a:solidFill>
                   <a:schemeClr val="tx1"/>
                 </a:solidFill>
@@ -2535,7 +2534,7 @@
               <a:t>SUM</a:t>
             </a:r>
             <a:r>
-              <a:rPr lang="en-US" sz="1200" kern="1200" dirty="0" smtClean="0">
+              <a:rPr lang="en-US" sz="1200" kern="1200" dirty="0">
                 <a:solidFill>
                   <a:schemeClr val="tx1"/>
                 </a:solidFill>
@@ -2547,7 +2546,7 @@
               <a:t> as well as string manipulation functions such as </a:t>
             </a:r>
             <a:r>
-              <a:rPr lang="en-US" sz="1200" b="1" kern="1200" dirty="0" smtClean="0">
+              <a:rPr lang="en-US" sz="1200" b="1" kern="1200" dirty="0">
                 <a:solidFill>
                   <a:schemeClr val="tx1"/>
                 </a:solidFill>
@@ -2559,7 +2558,7 @@
               <a:t>TRIM</a:t>
             </a:r>
             <a:r>
-              <a:rPr lang="en-US" sz="1200" kern="1200" dirty="0" smtClean="0">
+              <a:rPr lang="en-US" sz="1200" kern="1200" dirty="0">
                 <a:solidFill>
                   <a:schemeClr val="tx1"/>
                 </a:solidFill>
@@ -2571,7 +2570,7 @@
               <a:t>, </a:t>
             </a:r>
             <a:r>
-              <a:rPr lang="en-US" sz="1200" b="1" kern="1200" dirty="0" smtClean="0">
+              <a:rPr lang="en-US" sz="1200" b="1" kern="1200" dirty="0">
                 <a:solidFill>
                   <a:schemeClr val="tx1"/>
                 </a:solidFill>
@@ -2583,7 +2582,7 @@
               <a:t>UPPER</a:t>
             </a:r>
             <a:r>
-              <a:rPr lang="en-US" sz="1200" kern="1200" dirty="0" smtClean="0">
+              <a:rPr lang="en-US" sz="1200" kern="1200" dirty="0">
                 <a:solidFill>
                   <a:schemeClr val="tx1"/>
                 </a:solidFill>
@@ -2595,7 +2594,7 @@
               <a:t>, </a:t>
             </a:r>
             <a:r>
-              <a:rPr lang="en-US" sz="1200" b="1" kern="1200" dirty="0" smtClean="0">
+              <a:rPr lang="en-US" sz="1200" b="1" kern="1200" dirty="0">
                 <a:solidFill>
                   <a:schemeClr val="tx1"/>
                 </a:solidFill>
@@ -2607,7 +2606,7 @@
               <a:t>LOWER</a:t>
             </a:r>
             <a:r>
-              <a:rPr lang="en-US" sz="1200" kern="1200" dirty="0" smtClean="0">
+              <a:rPr lang="en-US" sz="1200" kern="1200" dirty="0">
                 <a:solidFill>
                   <a:schemeClr val="tx1"/>
                 </a:solidFill>
@@ -2619,7 +2618,7 @@
               <a:t>, and </a:t>
             </a:r>
             <a:r>
-              <a:rPr lang="en-US" sz="1200" b="1" kern="1200" dirty="0" smtClean="0">
+              <a:rPr lang="en-US" sz="1200" b="1" kern="1200" dirty="0">
                 <a:solidFill>
                   <a:schemeClr val="tx1"/>
                 </a:solidFill>
@@ -2631,7 +2630,7 @@
               <a:t>SUBSTRING</a:t>
             </a:r>
             <a:r>
-              <a:rPr lang="en-US" sz="1200" kern="1200" dirty="0" smtClean="0">
+              <a:rPr lang="en-US" sz="1200" kern="1200" dirty="0">
                 <a:solidFill>
                   <a:schemeClr val="tx1"/>
                 </a:solidFill>
@@ -2645,7 +2644,7 @@
           </a:p>
           <a:p>
             <a:r>
-              <a:rPr lang="en-US" sz="1200" kern="1200" dirty="0" smtClean="0">
+              <a:rPr lang="en-US" sz="1200" kern="1200" dirty="0">
                 <a:solidFill>
                   <a:schemeClr val="tx1"/>
                 </a:solidFill>
@@ -2657,7 +2656,7 @@
               <a:t>When processing Pig Latin statements, Pig does not actually generate any </a:t>
             </a:r>
             <a:r>
-              <a:rPr lang="en-US" sz="1200" kern="1200" dirty="0" err="1" smtClean="0">
+              <a:rPr lang="en-US" sz="1200" kern="1200" dirty="0" err="1">
                 <a:solidFill>
                   <a:schemeClr val="tx1"/>
                 </a:solidFill>
@@ -2669,7 +2668,7 @@
               <a:t>MapReduce</a:t>
             </a:r>
             <a:r>
-              <a:rPr lang="en-US" sz="1200" kern="1200" dirty="0" smtClean="0">
+              <a:rPr lang="en-US" sz="1200" kern="1200" dirty="0">
                 <a:solidFill>
                   <a:schemeClr val="tx1"/>
                 </a:solidFill>
@@ -2681,7 +2680,7 @@
               <a:t> jobs until a DUMP or STORE operation is performed. This enables the Pig engine to optimize the </a:t>
             </a:r>
             <a:r>
-              <a:rPr lang="en-US" sz="1200" kern="1200" dirty="0" err="1" smtClean="0">
+              <a:rPr lang="en-US" sz="1200" kern="1200" dirty="0" err="1">
                 <a:solidFill>
                   <a:schemeClr val="tx1"/>
                 </a:solidFill>
@@ -2693,7 +2692,7 @@
               <a:t>MapReduce</a:t>
             </a:r>
             <a:r>
-              <a:rPr lang="en-US" sz="1200" kern="1200" dirty="0" smtClean="0">
+              <a:rPr lang="en-US" sz="1200" kern="1200" dirty="0">
                 <a:solidFill>
                   <a:schemeClr val="tx1"/>
                 </a:solidFill>
@@ -2706,7 +2705,7 @@
             </a:r>
           </a:p>
           <a:p>
-            <a:endParaRPr lang="en-US" sz="1200" kern="1200" dirty="0" smtClean="0">
+            <a:endParaRPr lang="en-US" sz="1200" kern="1200" dirty="0">
               <a:solidFill>
                 <a:schemeClr val="tx1"/>
               </a:solidFill>
@@ -2900,10 +2899,9 @@
           </a:lstStyle>
           <a:p>
             <a:r>
-              <a:rPr lang="en-US" dirty="0" smtClean="0"/>
+              <a:rPr lang="en-US" dirty="0"/>
               <a:t>Click to edit Master subtitle style</a:t>
             </a:r>
-            <a:endParaRPr lang="en-US" dirty="0"/>
           </a:p>
         </p:txBody>
       </p:sp>
@@ -2958,10 +2956,9 @@
           <a:p>
             <a:pPr lvl="0"/>
             <a:r>
-              <a:rPr lang="en-US" dirty="0" smtClean="0"/>
+              <a:rPr lang="en-US" dirty="0"/>
               <a:t>Course title style</a:t>
             </a:r>
-            <a:endParaRPr lang="en-US" dirty="0"/>
           </a:p>
         </p:txBody>
       </p:sp>
@@ -3312,10 +3309,9 @@
           </a:lstStyle>
           <a:p>
             <a:r>
-              <a:rPr lang="en-US" smtClean="0"/>
+              <a:rPr lang="en-US"/>
               <a:t>Click to edit Master subtitle style</a:t>
             </a:r>
-            <a:endParaRPr lang="en-US"/>
           </a:p>
         </p:txBody>
       </p:sp>
@@ -3515,7 +3511,7 @@
           <a:p>
             <a:pPr lvl="0"/>
             <a:r>
-              <a:rPr lang="en-US" dirty="0" smtClean="0"/>
+              <a:rPr lang="en-US" dirty="0"/>
               <a:t>Module or Section transition style</a:t>
             </a:r>
           </a:p>
@@ -3647,10 +3643,9 @@
           </a:lstStyle>
           <a:p>
             <a:r>
-              <a:rPr lang="en-US" dirty="0" smtClean="0"/>
+              <a:rPr lang="en-US" dirty="0"/>
               <a:t>Click to edit Master subtitle style</a:t>
             </a:r>
-            <a:endParaRPr lang="en-US" dirty="0"/>
           </a:p>
         </p:txBody>
       </p:sp>
@@ -3730,10 +3725,9 @@
           </a:lstStyle>
           <a:p>
             <a:r>
-              <a:rPr lang="en-US" dirty="0" smtClean="0"/>
+              <a:rPr lang="en-US" dirty="0"/>
               <a:t>Click to edit Master title style</a:t>
             </a:r>
-            <a:endParaRPr lang="en-US" dirty="0"/>
           </a:p>
         </p:txBody>
       </p:sp>
@@ -3862,10 +3856,9 @@
           <a:lstStyle/>
           <a:p>
             <a:r>
-              <a:rPr lang="en-US" dirty="0" smtClean="0"/>
+              <a:rPr lang="en-US" dirty="0"/>
               <a:t>Click to edit Master title style</a:t>
             </a:r>
-            <a:endParaRPr lang="en-US" dirty="0"/>
           </a:p>
         </p:txBody>
       </p:sp>
@@ -3933,38 +3926,37 @@
           <a:p>
             <a:pPr lvl="0"/>
             <a:r>
-              <a:rPr lang="en-US" dirty="0" smtClean="0"/>
+              <a:rPr lang="en-US" dirty="0"/>
               <a:t>Click to edit Master text styles</a:t>
             </a:r>
           </a:p>
           <a:p>
             <a:pPr lvl="1"/>
             <a:r>
-              <a:rPr lang="en-US" dirty="0" smtClean="0"/>
+              <a:rPr lang="en-US" dirty="0"/>
               <a:t>Second level</a:t>
             </a:r>
           </a:p>
           <a:p>
             <a:pPr lvl="2"/>
             <a:r>
-              <a:rPr lang="en-US" dirty="0" smtClean="0"/>
+              <a:rPr lang="en-US" dirty="0"/>
               <a:t>Third level</a:t>
             </a:r>
           </a:p>
           <a:p>
             <a:pPr lvl="3"/>
             <a:r>
-              <a:rPr lang="en-US" dirty="0" smtClean="0"/>
+              <a:rPr lang="en-US" dirty="0"/>
               <a:t>Fourth level</a:t>
             </a:r>
           </a:p>
           <a:p>
             <a:pPr lvl="4"/>
             <a:r>
-              <a:rPr lang="en-US" dirty="0" smtClean="0"/>
+              <a:rPr lang="en-US" dirty="0"/>
               <a:t>Fifth level</a:t>
             </a:r>
-            <a:endParaRPr lang="en-US" dirty="0"/>
           </a:p>
         </p:txBody>
       </p:sp>
@@ -4053,38 +4045,37 @@
           <a:p>
             <a:pPr lvl="0"/>
             <a:r>
-              <a:rPr lang="en-US" dirty="0" smtClean="0"/>
+              <a:rPr lang="en-US" dirty="0"/>
               <a:t>Click to edit Master text styles</a:t>
             </a:r>
           </a:p>
           <a:p>
             <a:pPr lvl="1"/>
             <a:r>
-              <a:rPr lang="en-US" dirty="0" smtClean="0"/>
+              <a:rPr lang="en-US" dirty="0"/>
               <a:t>Second level</a:t>
             </a:r>
           </a:p>
           <a:p>
             <a:pPr lvl="2"/>
             <a:r>
-              <a:rPr lang="en-US" dirty="0" smtClean="0"/>
+              <a:rPr lang="en-US" dirty="0"/>
               <a:t>Third level</a:t>
             </a:r>
           </a:p>
           <a:p>
             <a:pPr lvl="3"/>
             <a:r>
-              <a:rPr lang="en-US" dirty="0" smtClean="0"/>
+              <a:rPr lang="en-US" dirty="0"/>
               <a:t>Fourth level</a:t>
             </a:r>
           </a:p>
           <a:p>
             <a:pPr lvl="4"/>
             <a:r>
-              <a:rPr lang="en-US" dirty="0" smtClean="0"/>
+              <a:rPr lang="en-US" dirty="0"/>
               <a:t>Fifth level</a:t>
             </a:r>
-            <a:endParaRPr lang="en-US" dirty="0"/>
           </a:p>
         </p:txBody>
       </p:sp>
@@ -4143,38 +4134,37 @@
           <a:p>
             <a:pPr lvl="0"/>
             <a:r>
-              <a:rPr lang="en-US" dirty="0" smtClean="0"/>
+              <a:rPr lang="en-US" dirty="0"/>
               <a:t>Click to edit Master text styles</a:t>
             </a:r>
           </a:p>
           <a:p>
             <a:pPr lvl="1"/>
             <a:r>
-              <a:rPr lang="en-US" dirty="0" smtClean="0"/>
+              <a:rPr lang="en-US" dirty="0"/>
               <a:t>Second level</a:t>
             </a:r>
           </a:p>
           <a:p>
             <a:pPr lvl="2"/>
             <a:r>
-              <a:rPr lang="en-US" dirty="0" smtClean="0"/>
+              <a:rPr lang="en-US" dirty="0"/>
               <a:t>Third level</a:t>
             </a:r>
           </a:p>
           <a:p>
             <a:pPr lvl="3"/>
             <a:r>
-              <a:rPr lang="en-US" dirty="0" smtClean="0"/>
+              <a:rPr lang="en-US" dirty="0"/>
               <a:t>Fourth level</a:t>
             </a:r>
           </a:p>
           <a:p>
             <a:pPr lvl="4"/>
             <a:r>
-              <a:rPr lang="en-US" dirty="0" smtClean="0"/>
+              <a:rPr lang="en-US" dirty="0"/>
               <a:t>Fifth level</a:t>
             </a:r>
-            <a:endParaRPr lang="en-US" dirty="0"/>
           </a:p>
         </p:txBody>
       </p:sp>
@@ -4194,10 +4184,9 @@
           <a:lstStyle/>
           <a:p>
             <a:r>
-              <a:rPr lang="en-US" smtClean="0"/>
+              <a:rPr lang="en-US"/>
               <a:t>Click to edit Master title style</a:t>
             </a:r>
-            <a:endParaRPr lang="en-US"/>
           </a:p>
         </p:txBody>
       </p:sp>
@@ -4303,7 +4292,7 @@
           <a:p>
             <a:pPr lvl="0"/>
             <a:r>
-              <a:rPr lang="en-US" dirty="0" smtClean="0"/>
+              <a:rPr lang="en-US" dirty="0"/>
               <a:t>Click to edit Master text styles</a:t>
             </a:r>
           </a:p>
@@ -4362,38 +4351,37 @@
           <a:p>
             <a:pPr lvl="0"/>
             <a:r>
-              <a:rPr lang="en-US" dirty="0" smtClean="0"/>
+              <a:rPr lang="en-US" dirty="0"/>
               <a:t>Click to edit Master text styles</a:t>
             </a:r>
           </a:p>
           <a:p>
             <a:pPr lvl="1"/>
             <a:r>
-              <a:rPr lang="en-US" dirty="0" smtClean="0"/>
+              <a:rPr lang="en-US" dirty="0"/>
               <a:t>Second level</a:t>
             </a:r>
           </a:p>
           <a:p>
             <a:pPr lvl="2"/>
             <a:r>
-              <a:rPr lang="en-US" dirty="0" smtClean="0"/>
+              <a:rPr lang="en-US" dirty="0"/>
               <a:t>Third level</a:t>
             </a:r>
           </a:p>
           <a:p>
             <a:pPr lvl="3"/>
             <a:r>
-              <a:rPr lang="en-US" dirty="0" smtClean="0"/>
+              <a:rPr lang="en-US" dirty="0"/>
               <a:t>Fourth level</a:t>
             </a:r>
           </a:p>
           <a:p>
             <a:pPr lvl="4"/>
             <a:r>
-              <a:rPr lang="en-US" dirty="0" smtClean="0"/>
+              <a:rPr lang="en-US" dirty="0"/>
               <a:t>Fifth level</a:t>
             </a:r>
-            <a:endParaRPr lang="en-US" dirty="0"/>
           </a:p>
         </p:txBody>
       </p:sp>
@@ -4469,7 +4457,7 @@
           <a:p>
             <a:pPr lvl="0"/>
             <a:r>
-              <a:rPr lang="en-US" dirty="0" smtClean="0"/>
+              <a:rPr lang="en-US" dirty="0"/>
               <a:t>Click to edit Master text styles</a:t>
             </a:r>
           </a:p>
@@ -4528,38 +4516,37 @@
           <a:p>
             <a:pPr lvl="0"/>
             <a:r>
-              <a:rPr lang="en-US" dirty="0" smtClean="0"/>
+              <a:rPr lang="en-US" dirty="0"/>
               <a:t>Click to edit Master text styles</a:t>
             </a:r>
           </a:p>
           <a:p>
             <a:pPr lvl="1"/>
             <a:r>
-              <a:rPr lang="en-US" dirty="0" smtClean="0"/>
+              <a:rPr lang="en-US" dirty="0"/>
               <a:t>Second level</a:t>
             </a:r>
           </a:p>
           <a:p>
             <a:pPr lvl="2"/>
             <a:r>
-              <a:rPr lang="en-US" dirty="0" smtClean="0"/>
+              <a:rPr lang="en-US" dirty="0"/>
               <a:t>Third level</a:t>
             </a:r>
           </a:p>
           <a:p>
             <a:pPr lvl="3"/>
             <a:r>
-              <a:rPr lang="en-US" dirty="0" smtClean="0"/>
+              <a:rPr lang="en-US" dirty="0"/>
               <a:t>Fourth level</a:t>
             </a:r>
           </a:p>
           <a:p>
             <a:pPr lvl="4"/>
             <a:r>
-              <a:rPr lang="en-US" dirty="0" smtClean="0"/>
+              <a:rPr lang="en-US" dirty="0"/>
               <a:t>Fifth level</a:t>
             </a:r>
-            <a:endParaRPr lang="en-US" dirty="0"/>
           </a:p>
         </p:txBody>
       </p:sp>
@@ -4579,10 +4566,9 @@
           <a:lstStyle/>
           <a:p>
             <a:r>
-              <a:rPr lang="en-US" smtClean="0"/>
+              <a:rPr lang="en-US"/>
               <a:t>Click to edit Master title style</a:t>
             </a:r>
-            <a:endParaRPr lang="en-US"/>
           </a:p>
         </p:txBody>
       </p:sp>
@@ -4632,10 +4618,9 @@
           <a:lstStyle/>
           <a:p>
             <a:r>
-              <a:rPr lang="en-US" smtClean="0"/>
+              <a:rPr lang="en-US"/>
               <a:t>Click to edit Master title style</a:t>
             </a:r>
-            <a:endParaRPr lang="en-US"/>
           </a:p>
         </p:txBody>
       </p:sp>
@@ -4811,27 +4796,7 @@
                   </a:schemeClr>
                 </a:solidFill>
               </a:rPr>
-              <a:t>©</a:t>
-            </a:r>
-            <a:r>
-              <a:rPr lang="en-US" sz="1050" dirty="0" smtClean="0">
-                <a:solidFill>
-                  <a:schemeClr val="bg1">
-                    <a:lumMod val="85000"/>
-                  </a:schemeClr>
-                </a:solidFill>
-              </a:rPr>
-              <a:t>2014 </a:t>
-            </a:r>
-            <a:r>
-              <a:rPr lang="en-US" sz="1050" dirty="0">
-                <a:solidFill>
-                  <a:schemeClr val="bg1">
-                    <a:lumMod val="85000"/>
-                  </a:schemeClr>
-                </a:solidFill>
-              </a:rPr>
-              <a:t>Microsoft Corporation. All rights reserved. Microsoft, Windows, Office, Azure, System Center, Dynamics and other product names are or may be registered trademarks and/or trademarks in the U.S. and/or other countries. The information herein is for informational purposes only and represents the current view of Microsoft Corporation as of the date of this presentation. Because Microsoft must respond to changing market conditions, it should not be interpreted to be a commitment on the part of Microsoft, and Microsoft cannot guarantee the accuracy of any information provided after the date of this presentation. MICROSOFT MAKES NO WARRANTIES, EXPRESS, IMPLIED OR STATUTORY, AS TO THE INFORMATION IN THIS PRESENTATION.</a:t>
+              <a:t>©2014 Microsoft Corporation. All rights reserved. Microsoft, Windows, Office, Azure, System Center, Dynamics and other product names are or may be registered trademarks and/or trademarks in the U.S. and/or other countries. The information herein is for informational purposes only and represents the current view of Microsoft Corporation as of the date of this presentation. Because Microsoft must respond to changing market conditions, it should not be interpreted to be a commitment on the part of Microsoft, and Microsoft cannot guarantee the accuracy of any information provided after the date of this presentation. MICROSOFT MAKES NO WARRANTIES, EXPRESS, IMPLIED OR STATUTORY, AS TO THE INFORMATION IN THIS PRESENTATION.</a:t>
             </a:r>
           </a:p>
         </p:txBody>
@@ -4875,14 +4840,6 @@
   <p:clrMapOvr>
     <a:masterClrMapping/>
   </p:clrMapOvr>
-  <mc:AlternateContent xmlns:mc="http://schemas.openxmlformats.org/markup-compatibility/2006" xmlns:p14="http://schemas.microsoft.com/office/powerpoint/2010/main">
-    <mc:Choice Requires="p14">
-      <p:transition spd="slow" p14:dur="2000"/>
-    </mc:Choice>
-    <mc:Fallback xmlns="">
-      <p:transition spd="slow"/>
-    </mc:Fallback>
-  </mc:AlternateContent>
 </p:sldLayout>
 </file>
 
@@ -4934,10 +4891,9 @@
           <a:lstStyle/>
           <a:p>
             <a:r>
-              <a:rPr lang="en-US" dirty="0" smtClean="0"/>
+              <a:rPr lang="en-US" dirty="0"/>
               <a:t>Click to edit Master title style</a:t>
             </a:r>
-            <a:endParaRPr lang="en-US" dirty="0"/>
           </a:p>
         </p:txBody>
       </p:sp>
@@ -5263,7 +5219,7 @@
           <a:p>
             <a:pPr marL="914400" indent="-914400"/>
             <a:r>
-              <a:rPr lang="en-GB" dirty="0" smtClean="0"/>
+              <a:rPr lang="en-GB" dirty="0"/>
               <a:t>Beyond Hive – Pig and Python</a:t>
             </a:r>
             <a:endParaRPr lang="en-US" dirty="0"/>
@@ -6185,16 +6141,8 @@
               <a:buAutoNum type="arabicPeriod"/>
             </a:pPr>
             <a:r>
-              <a:rPr lang="en-GB" dirty="0" smtClean="0"/>
-              <a:t>Save a Pig </a:t>
-            </a:r>
-            <a:r>
               <a:rPr lang="en-GB" dirty="0"/>
-              <a:t>L</a:t>
-            </a:r>
-            <a:r>
-              <a:rPr lang="en-GB" dirty="0" smtClean="0"/>
-              <a:t>atin script file</a:t>
+              <a:t>Save a Pig Latin script file</a:t>
             </a:r>
           </a:p>
           <a:p>
@@ -6203,7 +6151,7 @@
               <a:buAutoNum type="arabicPeriod"/>
             </a:pPr>
             <a:r>
-              <a:rPr lang="en-GB" dirty="0" smtClean="0"/>
+              <a:rPr lang="en-GB" dirty="0"/>
               <a:t>Run the script using Pig</a:t>
             </a:r>
           </a:p>
@@ -6213,21 +6161,21 @@
               <a:buAutoNum type="arabicPeriod"/>
             </a:pPr>
             <a:r>
-              <a:rPr lang="en-GB" dirty="0" smtClean="0"/>
+              <a:rPr lang="en-GB" dirty="0"/>
               <a:t>Consume the results using any Azure storage client</a:t>
             </a:r>
           </a:p>
           <a:p>
             <a:pPr lvl="1"/>
             <a:r>
-              <a:rPr lang="en-GB" dirty="0" smtClean="0"/>
+              <a:rPr lang="en-GB" dirty="0"/>
               <a:t>For example, Excel or Power BI</a:t>
             </a:r>
           </a:p>
           <a:p>
             <a:pPr lvl="1"/>
             <a:r>
-              <a:rPr lang="en-GB" dirty="0" smtClean="0"/>
+              <a:rPr lang="en-GB" dirty="0"/>
               <a:t>Default output does not include schema – just data</a:t>
             </a:r>
             <a:endParaRPr lang="en-US" dirty="0"/>
@@ -6259,7 +6207,7 @@
           <a:lstStyle/>
           <a:p>
             <a:r>
-              <a:rPr lang="en-US" dirty="0" smtClean="0">
+              <a:rPr lang="en-US" dirty="0">
                 <a:solidFill>
                   <a:schemeClr val="bg1"/>
                 </a:solidFill>
@@ -6268,13 +6216,6 @@
               </a:rPr>
               <a:t>pig wasb:///scripts/myscript.pig</a:t>
             </a:r>
-            <a:endParaRPr lang="en-US" dirty="0">
-              <a:solidFill>
-                <a:schemeClr val="bg1"/>
-              </a:solidFill>
-              <a:latin typeface="Courier New" panose="02070309020205020404" pitchFamily="49" charset="0"/>
-              <a:cs typeface="Courier New" panose="02070309020205020404" pitchFamily="49" charset="0"/>
-            </a:endParaRPr>
           </a:p>
         </p:txBody>
       </p:sp>
@@ -7237,10 +7178,9 @@
           <a:p>
             <a:pPr algn="ctr"/>
             <a:r>
-              <a:rPr lang="en-GB" dirty="0" smtClean="0"/>
+              <a:rPr lang="en-GB" dirty="0"/>
               <a:t>What are UDFs?</a:t>
             </a:r>
-            <a:endParaRPr lang="en-GB" dirty="0"/>
           </a:p>
         </p:txBody>
       </p:sp>
@@ -7436,7 +7376,7 @@
                   <a:spcPct val="0"/>
                 </a:spcAft>
               </a:pPr>
-              <a:endParaRPr lang="en-US" sz="2400" dirty="0" err="1" smtClean="0">
+              <a:endParaRPr lang="en-US" sz="2400" dirty="0" err="1">
                 <a:gradFill>
                   <a:gsLst>
                     <a:gs pos="0">
@@ -12856,7 +12796,7 @@
                   <a:spcPct val="0"/>
                 </a:spcAft>
               </a:pPr>
-              <a:endParaRPr lang="en-US" sz="2400" dirty="0" err="1" smtClean="0">
+              <a:endParaRPr lang="en-US" sz="2400" dirty="0" err="1">
                 <a:gradFill>
                   <a:gsLst>
                     <a:gs pos="0">
@@ -15605,7 +15545,7 @@
                   <a:spcPct val="0"/>
                 </a:spcAft>
               </a:pPr>
-              <a:endParaRPr lang="en-US" sz="2400" dirty="0" err="1" smtClean="0">
+              <a:endParaRPr lang="en-US" sz="2400" dirty="0" err="1">
                 <a:gradFill>
                   <a:gsLst>
                     <a:gs pos="0">
@@ -24549,48 +24489,48 @@
           <a:lstStyle/>
           <a:p>
             <a:r>
-              <a:rPr lang="en-GB" dirty="0" smtClean="0"/>
+              <a:rPr lang="en-GB" dirty="0"/>
               <a:t>User-Defined Functions (UDFs) extend the capabilities of Hive and Pig</a:t>
             </a:r>
           </a:p>
           <a:p>
             <a:r>
-              <a:rPr lang="en-GB" dirty="0" smtClean="0"/>
+              <a:rPr lang="en-GB" dirty="0"/>
               <a:t>Simpler than writing custom </a:t>
             </a:r>
             <a:r>
-              <a:rPr lang="en-GB" dirty="0" err="1" smtClean="0"/>
+              <a:rPr lang="en-GB" dirty="0" err="1"/>
               <a:t>MapReduce</a:t>
             </a:r>
             <a:r>
-              <a:rPr lang="en-GB" dirty="0" smtClean="0"/>
+              <a:rPr lang="en-GB" dirty="0"/>
               <a:t> components</a:t>
             </a:r>
           </a:p>
           <a:p>
             <a:r>
-              <a:rPr lang="en-GB" dirty="0" smtClean="0"/>
+              <a:rPr lang="en-GB" dirty="0"/>
               <a:t>Can be implemented using many languages, for example:</a:t>
             </a:r>
           </a:p>
           <a:p>
             <a:pPr lvl="1"/>
             <a:r>
-              <a:rPr lang="en-GB" dirty="0" smtClean="0"/>
+              <a:rPr lang="en-GB" dirty="0"/>
               <a:t>Java</a:t>
             </a:r>
           </a:p>
           <a:p>
             <a:pPr lvl="1"/>
             <a:r>
-              <a:rPr lang="en-GB" dirty="0" smtClean="0"/>
+              <a:rPr lang="en-GB" dirty="0"/>
               <a:t>C#</a:t>
             </a:r>
           </a:p>
           <a:p>
             <a:pPr lvl="1"/>
             <a:r>
-              <a:rPr lang="en-GB" dirty="0" smtClean="0"/>
+              <a:rPr lang="en-GB" dirty="0"/>
               <a:t>Python</a:t>
             </a:r>
           </a:p>
@@ -24852,7 +24792,7 @@
               <a:lstStyle/>
               <a:p>
                 <a:r>
-                  <a:rPr lang="en-GB" dirty="0" smtClean="0">
+                  <a:rPr lang="en-GB" dirty="0">
                     <a:latin typeface="Courier New" panose="02070309020205020404" pitchFamily="49" charset="0"/>
                     <a:cs typeface="Courier New" panose="02070309020205020404" pitchFamily="49" charset="0"/>
                   </a:rPr>
@@ -25108,7 +25048,7 @@
               <a:lstStyle/>
               <a:p>
                 <a:r>
-                  <a:rPr lang="en-GB" dirty="0" smtClean="0">
+                  <a:rPr lang="en-GB" dirty="0">
                     <a:latin typeface="Courier New" panose="02070309020205020404" pitchFamily="49" charset="0"/>
                     <a:cs typeface="Courier New" panose="02070309020205020404" pitchFamily="49" charset="0"/>
                   </a:rPr>
@@ -26986,7 +26926,7 @@
               <a:lstStyle/>
               <a:p>
                 <a:r>
-                  <a:rPr lang="en-GB" dirty="0" smtClean="0"/>
+                  <a:rPr lang="en-GB" dirty="0"/>
                   <a:t>UDF</a:t>
                 </a:r>
                 <a:endParaRPr lang="en-US" dirty="0"/>
@@ -28858,7 +28798,7 @@
               <a:lstStyle/>
               <a:p>
                 <a:r>
-                  <a:rPr lang="en-GB" dirty="0" smtClean="0"/>
+                  <a:rPr lang="en-GB" dirty="0"/>
                   <a:t>UDF</a:t>
                 </a:r>
                 <a:endParaRPr lang="en-US" dirty="0"/>
@@ -29438,38 +29378,38 @@
               <a:buNone/>
             </a:pPr>
             <a:r>
-              <a:rPr lang="en-GB" dirty="0" smtClean="0"/>
+              <a:rPr lang="en-GB" dirty="0"/>
               <a:t>Python is a (relatively) simple scripting language – ideal for UDFs</a:t>
             </a:r>
           </a:p>
           <a:p>
             <a:pPr lvl="1"/>
             <a:r>
-              <a:rPr lang="en-GB" dirty="0" smtClean="0"/>
+              <a:rPr lang="en-GB" dirty="0"/>
               <a:t>Intuitive syntax</a:t>
             </a:r>
           </a:p>
           <a:p>
             <a:pPr lvl="1"/>
             <a:r>
-              <a:rPr lang="en-GB" dirty="0" smtClean="0"/>
+              <a:rPr lang="en-GB" dirty="0"/>
               <a:t>Dynamic typing</a:t>
             </a:r>
           </a:p>
           <a:p>
             <a:pPr lvl="1"/>
             <a:r>
-              <a:rPr lang="en-GB" dirty="0" smtClean="0"/>
+              <a:rPr lang="en-GB" dirty="0"/>
               <a:t>Interpreted execution</a:t>
             </a:r>
           </a:p>
           <a:p>
             <a:pPr lvl="1"/>
-            <a:endParaRPr lang="en-GB" dirty="0" smtClean="0"/>
+            <a:endParaRPr lang="en-GB" dirty="0"/>
           </a:p>
           <a:p>
             <a:pPr lvl="1"/>
-            <a:endParaRPr lang="en-GB" dirty="0" smtClean="0"/>
+            <a:endParaRPr lang="en-GB" dirty="0"/>
           </a:p>
           <a:p>
             <a:pPr lvl="1"/>
@@ -29514,7 +29454,7 @@
             <a:pPr marL="0" indent="0">
               <a:buNone/>
             </a:pPr>
-            <a:endParaRPr lang="en-GB" dirty="0" smtClean="0"/>
+            <a:endParaRPr lang="en-GB" dirty="0"/>
           </a:p>
         </p:txBody>
       </p:sp>
@@ -30084,7 +30024,7 @@
           <a:lstStyle/>
           <a:p>
             <a:r>
-              <a:rPr lang="en-GB" sz="2000" dirty="0" smtClean="0">
+              <a:rPr lang="en-GB" sz="2000" dirty="0">
                 <a:latin typeface="Courier New" panose="02070309020205020404" pitchFamily="49" charset="0"/>
                 <a:cs typeface="Courier New" panose="02070309020205020404" pitchFamily="49" charset="0"/>
               </a:rPr>
@@ -30093,7 +30033,7 @@
           </a:p>
           <a:p>
             <a:r>
-              <a:rPr lang="en-GB" sz="2000" dirty="0" smtClean="0">
+              <a:rPr lang="en-GB" sz="2000" dirty="0">
                 <a:latin typeface="Courier New" panose="02070309020205020404" pitchFamily="49" charset="0"/>
                 <a:cs typeface="Courier New" panose="02070309020205020404" pitchFamily="49" charset="0"/>
               </a:rPr>
@@ -30106,14 +30046,7 @@
                 <a:latin typeface="Courier New" panose="02070309020205020404" pitchFamily="49" charset="0"/>
                 <a:cs typeface="Courier New" panose="02070309020205020404" pitchFamily="49" charset="0"/>
               </a:rPr>
-              <a:t> </a:t>
-            </a:r>
-            <a:r>
-              <a:rPr lang="en-GB" sz="2000" dirty="0" smtClean="0">
-                <a:latin typeface="Courier New" panose="02070309020205020404" pitchFamily="49" charset="0"/>
-                <a:cs typeface="Courier New" panose="02070309020205020404" pitchFamily="49" charset="0"/>
-              </a:rPr>
-              <a:t> print (x)</a:t>
+              <a:t>  print (x)</a:t>
             </a:r>
           </a:p>
           <a:p>
@@ -30122,14 +30055,7 @@
                 <a:latin typeface="Courier New" panose="02070309020205020404" pitchFamily="49" charset="0"/>
                 <a:cs typeface="Courier New" panose="02070309020205020404" pitchFamily="49" charset="0"/>
               </a:rPr>
-              <a:t> </a:t>
-            </a:r>
-            <a:r>
-              <a:rPr lang="en-GB" sz="2000" dirty="0" smtClean="0">
-                <a:latin typeface="Courier New" panose="02070309020205020404" pitchFamily="49" charset="0"/>
-                <a:cs typeface="Courier New" panose="02070309020205020404" pitchFamily="49" charset="0"/>
-              </a:rPr>
-              <a:t> x = x + 1</a:t>
+              <a:t>  x = x + 1</a:t>
             </a:r>
             <a:endParaRPr lang="en-US" sz="2000" dirty="0">
               <a:latin typeface="Courier New" panose="02070309020205020404" pitchFamily="49" charset="0"/>
@@ -30671,10 +30597,9 @@
           <a:p>
             <a:pPr algn="ctr"/>
             <a:r>
-              <a:rPr lang="en-GB" dirty="0" smtClean="0"/>
+              <a:rPr lang="en-GB" dirty="0"/>
               <a:t>How do I use a Python UDF in Pig?</a:t>
             </a:r>
-            <a:endParaRPr lang="en-GB" dirty="0"/>
           </a:p>
         </p:txBody>
       </p:sp>
@@ -30813,50 +30738,34 @@
               <a:buNone/>
             </a:pPr>
             <a:r>
-              <a:rPr lang="en-GB" dirty="0" smtClean="0"/>
+              <a:rPr lang="en-GB" dirty="0"/>
               <a:t>Pig natively supports </a:t>
             </a:r>
             <a:r>
-              <a:rPr lang="en-GB" dirty="0" err="1" smtClean="0"/>
+              <a:rPr lang="en-GB" dirty="0" err="1"/>
               <a:t>Jython</a:t>
             </a:r>
-            <a:endParaRPr lang="en-GB" dirty="0" smtClean="0"/>
+            <a:endParaRPr lang="en-GB" dirty="0"/>
           </a:p>
           <a:p>
             <a:pPr lvl="1"/>
             <a:r>
-              <a:rPr lang="en-GB" dirty="0" smtClean="0"/>
+              <a:rPr lang="en-GB" dirty="0"/>
               <a:t>Define the output schema as a Pig bag</a:t>
             </a:r>
           </a:p>
           <a:p>
             <a:pPr lvl="1"/>
             <a:r>
-              <a:rPr lang="en-GB" dirty="0" smtClean="0"/>
-              <a:t>Declare a </a:t>
-            </a:r>
-            <a:r>
               <a:rPr lang="en-GB" dirty="0"/>
-              <a:t>P</a:t>
-            </a:r>
-            <a:r>
-              <a:rPr lang="en-GB" dirty="0" smtClean="0"/>
-              <a:t>ython function that receives an input parameter from Pig</a:t>
+              <a:t>Declare a Python function that receives an input parameter from Pig</a:t>
             </a:r>
           </a:p>
           <a:p>
             <a:pPr lvl="1"/>
             <a:r>
-              <a:rPr lang="en-GB" dirty="0" smtClean="0"/>
-              <a:t>Return results as fields based on the </a:t>
-            </a:r>
-            <a:r>
               <a:rPr lang="en-GB" dirty="0"/>
-              <a:t>o</a:t>
-            </a:r>
-            <a:r>
-              <a:rPr lang="en-GB" dirty="0" smtClean="0"/>
-              <a:t>utput schema</a:t>
+              <a:t>Return results as fields based on the output schema</a:t>
             </a:r>
             <a:endParaRPr lang="en-US" dirty="0"/>
           </a:p>
@@ -30871,7 +30780,7 @@
         <p:spPr>
           <a:xfrm>
             <a:off x="1402915" y="3786560"/>
-            <a:ext cx="9850774" cy="954107"/>
+            <a:ext cx="10280378" cy="954107"/>
           </a:xfrm>
           <a:prstGeom prst="rect">
             <a:avLst/>
@@ -30885,40 +30794,51 @@
           <a:lstStyle/>
           <a:p>
             <a:r>
-              <a:rPr lang="en-GB" sz="2800" dirty="0" smtClean="0">
+              <a:rPr lang="en-GB" sz="2800" dirty="0">
                 <a:latin typeface="Courier New" panose="02070309020205020404" pitchFamily="49" charset="0"/>
                 <a:cs typeface="Courier New" panose="02070309020205020404" pitchFamily="49" charset="0"/>
               </a:rPr>
               <a:t>@</a:t>
             </a:r>
             <a:r>
-              <a:rPr lang="en-GB" sz="2800" dirty="0" err="1" smtClean="0">
+              <a:rPr lang="en-GB" sz="2800" dirty="0" err="1">
                 <a:latin typeface="Courier New" panose="02070309020205020404" pitchFamily="49" charset="0"/>
                 <a:cs typeface="Courier New" panose="02070309020205020404" pitchFamily="49" charset="0"/>
               </a:rPr>
               <a:t>outputSchema</a:t>
             </a:r>
             <a:r>
-              <a:rPr lang="en-GB" sz="2800" dirty="0" smtClean="0">
+              <a:rPr lang="en-GB" sz="2800" dirty="0">
                 <a:latin typeface="Courier New" panose="02070309020205020404" pitchFamily="49" charset="0"/>
                 <a:cs typeface="Courier New" panose="02070309020205020404" pitchFamily="49" charset="0"/>
               </a:rPr>
               <a:t>("result: {(</a:t>
             </a:r>
             <a:r>
-              <a:rPr lang="en-GB" sz="2800" dirty="0" err="1" smtClean="0">
+              <a:rPr lang="en-GB" sz="2800" dirty="0" err="1">
                 <a:latin typeface="Courier New" panose="02070309020205020404" pitchFamily="49" charset="0"/>
                 <a:cs typeface="Courier New" panose="02070309020205020404" pitchFamily="49" charset="0"/>
               </a:rPr>
               <a:t>a:chararray</a:t>
             </a:r>
             <a:r>
-              <a:rPr lang="en-GB" sz="2800" dirty="0" smtClean="0">
+              <a:rPr lang="en-GB" sz="2800" dirty="0">
                 <a:latin typeface="Courier New" panose="02070309020205020404" pitchFamily="49" charset="0"/>
                 <a:cs typeface="Courier New" panose="02070309020205020404" pitchFamily="49" charset="0"/>
               </a:rPr>
-              <a:t>, b:int)}</a:t>
+              <a:t>, b:</a:t>
             </a:r>
+            <a:r>
+              <a:rPr lang="en-GB" sz="2800">
+                <a:latin typeface="Courier New" panose="02070309020205020404" pitchFamily="49" charset="0"/>
+                <a:cs typeface="Courier New" panose="02070309020205020404" pitchFamily="49" charset="0"/>
+              </a:rPr>
+              <a:t>int)}")</a:t>
+            </a:r>
+            <a:endParaRPr lang="en-GB" sz="2800" dirty="0">
+              <a:latin typeface="Courier New" panose="02070309020205020404" pitchFamily="49" charset="0"/>
+              <a:cs typeface="Courier New" panose="02070309020205020404" pitchFamily="49" charset="0"/>
+            </a:endParaRPr>
           </a:p>
           <a:p>
             <a:endParaRPr lang="en-GB" sz="2800" dirty="0">
@@ -30951,7 +30871,7 @@
           <a:p>
             <a:pPr lvl="0"/>
             <a:r>
-              <a:rPr lang="en-GB" sz="2800" dirty="0" smtClean="0">
+              <a:rPr lang="en-GB" sz="2800" dirty="0">
                 <a:solidFill>
                   <a:prstClr val="black"/>
                 </a:solidFill>
@@ -30961,7 +30881,7 @@
               <a:t>Def </a:t>
             </a:r>
             <a:r>
-              <a:rPr lang="en-GB" sz="2800" dirty="0" err="1" smtClean="0">
+              <a:rPr lang="en-GB" sz="2800" dirty="0" err="1">
                 <a:solidFill>
                   <a:prstClr val="black"/>
                 </a:solidFill>
@@ -30971,7 +30891,7 @@
               <a:t>myfunction</a:t>
             </a:r>
             <a:r>
-              <a:rPr lang="en-GB" sz="2800" dirty="0" smtClean="0">
+              <a:rPr lang="en-GB" sz="2800" dirty="0">
                 <a:solidFill>
                   <a:prstClr val="black"/>
                 </a:solidFill>
@@ -30981,7 +30901,7 @@
               <a:t>(</a:t>
             </a:r>
             <a:r>
-              <a:rPr lang="en-GB" sz="2800" dirty="0" err="1" smtClean="0">
+              <a:rPr lang="en-GB" sz="2800" dirty="0" err="1">
                 <a:solidFill>
                   <a:prstClr val="black"/>
                 </a:solidFill>
@@ -30991,7 +30911,7 @@
               <a:t>i</a:t>
             </a:r>
             <a:r>
-              <a:rPr lang="en-GB" sz="2800" dirty="0" smtClean="0">
+              <a:rPr lang="en-GB" sz="2800" dirty="0">
                 <a:solidFill>
                   <a:prstClr val="black"/>
                 </a:solidFill>
@@ -31000,13 +30920,6 @@
               </a:rPr>
               <a:t>):</a:t>
             </a:r>
-            <a:endParaRPr lang="en-GB" sz="2800" dirty="0">
-              <a:solidFill>
-                <a:prstClr val="black"/>
-              </a:solidFill>
-              <a:latin typeface="Courier New" panose="02070309020205020404" pitchFamily="49" charset="0"/>
-              <a:cs typeface="Courier New" panose="02070309020205020404" pitchFamily="49" charset="0"/>
-            </a:endParaRPr>
           </a:p>
         </p:txBody>
       </p:sp>
@@ -31033,7 +30946,7 @@
           <a:p>
             <a:pPr lvl="0"/>
             <a:r>
-              <a:rPr lang="en-GB" sz="2800" dirty="0" smtClean="0">
+              <a:rPr lang="en-GB" sz="2800" dirty="0">
                 <a:solidFill>
                   <a:prstClr val="black"/>
                 </a:solidFill>
@@ -31053,17 +30966,7 @@
                 <a:latin typeface="Courier New" panose="02070309020205020404" pitchFamily="49" charset="0"/>
                 <a:cs typeface="Courier New" panose="02070309020205020404" pitchFamily="49" charset="0"/>
               </a:rPr>
-              <a:t> </a:t>
-            </a:r>
-            <a:r>
-              <a:rPr lang="en-GB" sz="2800" dirty="0" smtClean="0">
-                <a:solidFill>
-                  <a:prstClr val="black"/>
-                </a:solidFill>
-                <a:latin typeface="Courier New" panose="02070309020205020404" pitchFamily="49" charset="0"/>
-                <a:cs typeface="Courier New" panose="02070309020205020404" pitchFamily="49" charset="0"/>
-              </a:rPr>
-              <a:t> </a:t>
+              <a:t>  </a:t>
             </a:r>
           </a:p>
           <a:p>
@@ -31076,25 +30979,8 @@
                 <a:latin typeface="Courier New" panose="02070309020205020404" pitchFamily="49" charset="0"/>
                 <a:cs typeface="Courier New" panose="02070309020205020404" pitchFamily="49" charset="0"/>
               </a:rPr>
-              <a:t> </a:t>
+              <a:t>  return a, b</a:t>
             </a:r>
-            <a:r>
-              <a:rPr lang="en-GB" sz="2800" dirty="0" smtClean="0">
-                <a:solidFill>
-                  <a:prstClr val="black"/>
-                </a:solidFill>
-                <a:latin typeface="Courier New" panose="02070309020205020404" pitchFamily="49" charset="0"/>
-                <a:cs typeface="Courier New" panose="02070309020205020404" pitchFamily="49" charset="0"/>
-              </a:rPr>
-              <a:t> return a, b</a:t>
-            </a:r>
-            <a:endParaRPr lang="en-GB" sz="2800" dirty="0">
-              <a:solidFill>
-                <a:prstClr val="black"/>
-              </a:solidFill>
-              <a:latin typeface="Courier New" panose="02070309020205020404" pitchFamily="49" charset="0"/>
-              <a:cs typeface="Courier New" panose="02070309020205020404" pitchFamily="49" charset="0"/>
-            </a:endParaRPr>
           </a:p>
         </p:txBody>
       </p:sp>
@@ -31499,7 +31385,7 @@
               <a:buNone/>
             </a:pPr>
             <a:r>
-              <a:rPr lang="en-GB" dirty="0" smtClean="0"/>
+              <a:rPr lang="en-GB" dirty="0"/>
               <a:t>Use the Pig FOREACH…GENERATE statement to invoke a UDF</a:t>
             </a:r>
             <a:endParaRPr lang="en-US" dirty="0"/>
@@ -31528,58 +31414,54 @@
           <a:lstStyle/>
           <a:p>
             <a:r>
-              <a:rPr lang="en-US" sz="2400" dirty="0" smtClean="0">
+              <a:rPr lang="en-US" sz="2400" dirty="0">
                 <a:latin typeface="Courier New" panose="02070309020205020404" pitchFamily="49" charset="0"/>
                 <a:cs typeface="Courier New" panose="02070309020205020404" pitchFamily="49" charset="0"/>
               </a:rPr>
               <a:t>REGISTER '</a:t>
             </a:r>
             <a:r>
-              <a:rPr lang="en-US" sz="2400" dirty="0" err="1" smtClean="0">
+              <a:rPr lang="en-US" sz="2400" dirty="0" err="1">
                 <a:latin typeface="Courier New" panose="02070309020205020404" pitchFamily="49" charset="0"/>
                 <a:cs typeface="Courier New" panose="02070309020205020404" pitchFamily="49" charset="0"/>
               </a:rPr>
               <a:t>wasb</a:t>
             </a:r>
             <a:r>
-              <a:rPr lang="en-US" sz="2400" dirty="0" smtClean="0">
+              <a:rPr lang="en-US" sz="2400" dirty="0">
                 <a:latin typeface="Courier New" panose="02070309020205020404" pitchFamily="49" charset="0"/>
                 <a:cs typeface="Courier New" panose="02070309020205020404" pitchFamily="49" charset="0"/>
               </a:rPr>
               <a:t>:///scripts/myscript.py' using </a:t>
             </a:r>
             <a:r>
-              <a:rPr lang="en-US" sz="2400" dirty="0" err="1" smtClean="0">
+              <a:rPr lang="en-US" sz="2400" dirty="0" err="1">
                 <a:latin typeface="Courier New" panose="02070309020205020404" pitchFamily="49" charset="0"/>
                 <a:cs typeface="Courier New" panose="02070309020205020404" pitchFamily="49" charset="0"/>
               </a:rPr>
               <a:t>jython</a:t>
             </a:r>
             <a:r>
-              <a:rPr lang="en-US" sz="2400" dirty="0" smtClean="0">
+              <a:rPr lang="en-US" sz="2400" dirty="0">
                 <a:latin typeface="Courier New" panose="02070309020205020404" pitchFamily="49" charset="0"/>
                 <a:cs typeface="Courier New" panose="02070309020205020404" pitchFamily="49" charset="0"/>
               </a:rPr>
               <a:t> as </a:t>
             </a:r>
             <a:r>
-              <a:rPr lang="en-US" sz="2400" dirty="0" err="1" smtClean="0">
+              <a:rPr lang="en-US" sz="2400" dirty="0" err="1">
                 <a:latin typeface="Courier New" panose="02070309020205020404" pitchFamily="49" charset="0"/>
                 <a:cs typeface="Courier New" panose="02070309020205020404" pitchFamily="49" charset="0"/>
               </a:rPr>
               <a:t>myscript</a:t>
             </a:r>
             <a:r>
-              <a:rPr lang="en-US" sz="2400" dirty="0" smtClean="0">
+              <a:rPr lang="en-US" sz="2400" dirty="0">
                 <a:latin typeface="Courier New" panose="02070309020205020404" pitchFamily="49" charset="0"/>
                 <a:cs typeface="Courier New" panose="02070309020205020404" pitchFamily="49" charset="0"/>
               </a:rPr>
               <a:t>;</a:t>
             </a:r>
-            <a:endParaRPr lang="en-US" sz="2400" dirty="0">
-              <a:latin typeface="Courier New" panose="02070309020205020404" pitchFamily="49" charset="0"/>
-              <a:cs typeface="Courier New" panose="02070309020205020404" pitchFamily="49" charset="0"/>
-            </a:endParaRPr>
           </a:p>
           <a:p>
             <a:endParaRPr lang="en-US" sz="2400" dirty="0">
@@ -31589,28 +31471,28 @@
           </a:p>
           <a:p>
             <a:r>
-              <a:rPr lang="en-GB" sz="2400" dirty="0" err="1" smtClean="0">
+              <a:rPr lang="en-GB" sz="2400" dirty="0" err="1">
                 <a:latin typeface="Courier New" panose="02070309020205020404" pitchFamily="49" charset="0"/>
                 <a:cs typeface="Courier New" panose="02070309020205020404" pitchFamily="49" charset="0"/>
               </a:rPr>
               <a:t>src</a:t>
             </a:r>
             <a:r>
-              <a:rPr lang="en-GB" sz="2400" dirty="0" smtClean="0">
+              <a:rPr lang="en-GB" sz="2400" dirty="0">
                 <a:latin typeface="Courier New" panose="02070309020205020404" pitchFamily="49" charset="0"/>
                 <a:cs typeface="Courier New" panose="02070309020205020404" pitchFamily="49" charset="0"/>
               </a:rPr>
               <a:t> = LOAD '/data/source' AS (</a:t>
             </a:r>
             <a:r>
-              <a:rPr lang="en-GB" sz="2400" dirty="0" err="1" smtClean="0">
+              <a:rPr lang="en-GB" sz="2400" dirty="0" err="1">
                 <a:latin typeface="Courier New" panose="02070309020205020404" pitchFamily="49" charset="0"/>
                 <a:cs typeface="Courier New" panose="02070309020205020404" pitchFamily="49" charset="0"/>
               </a:rPr>
               <a:t>row:chararray</a:t>
             </a:r>
             <a:r>
-              <a:rPr lang="en-GB" sz="2400" dirty="0" smtClean="0">
+              <a:rPr lang="en-GB" sz="2400" dirty="0">
                 <a:latin typeface="Courier New" panose="02070309020205020404" pitchFamily="49" charset="0"/>
                 <a:cs typeface="Courier New" panose="02070309020205020404" pitchFamily="49" charset="0"/>
               </a:rPr>
@@ -31618,42 +31500,42 @@
             </a:r>
           </a:p>
           <a:p>
-            <a:endParaRPr lang="en-GB" sz="2400" dirty="0" smtClean="0">
+            <a:endParaRPr lang="en-GB" sz="2400" dirty="0">
               <a:latin typeface="Courier New" panose="02070309020205020404" pitchFamily="49" charset="0"/>
               <a:cs typeface="Courier New" panose="02070309020205020404" pitchFamily="49" charset="0"/>
             </a:endParaRPr>
           </a:p>
           <a:p>
             <a:r>
-              <a:rPr lang="en-GB" sz="2400" dirty="0" smtClean="0">
+              <a:rPr lang="en-GB" sz="2400" dirty="0">
                 <a:latin typeface="Courier New" panose="02070309020205020404" pitchFamily="49" charset="0"/>
                 <a:cs typeface="Courier New" panose="02070309020205020404" pitchFamily="49" charset="0"/>
               </a:rPr>
               <a:t>res = FOREACH </a:t>
             </a:r>
             <a:r>
-              <a:rPr lang="en-GB" sz="2400" dirty="0" err="1" smtClean="0">
+              <a:rPr lang="en-GB" sz="2400" dirty="0" err="1">
                 <a:latin typeface="Courier New" panose="02070309020205020404" pitchFamily="49" charset="0"/>
                 <a:cs typeface="Courier New" panose="02070309020205020404" pitchFamily="49" charset="0"/>
               </a:rPr>
               <a:t>src</a:t>
             </a:r>
             <a:r>
-              <a:rPr lang="en-GB" sz="2400" dirty="0" smtClean="0">
+              <a:rPr lang="en-GB" sz="2400" dirty="0">
                 <a:latin typeface="Courier New" panose="02070309020205020404" pitchFamily="49" charset="0"/>
                 <a:cs typeface="Courier New" panose="02070309020205020404" pitchFamily="49" charset="0"/>
               </a:rPr>
               <a:t> GENERATE </a:t>
             </a:r>
             <a:r>
-              <a:rPr lang="en-GB" sz="2400" dirty="0" err="1" smtClean="0">
+              <a:rPr lang="en-GB" sz="2400" dirty="0" err="1">
                 <a:latin typeface="Courier New" panose="02070309020205020404" pitchFamily="49" charset="0"/>
                 <a:cs typeface="Courier New" panose="02070309020205020404" pitchFamily="49" charset="0"/>
               </a:rPr>
               <a:t>myscript.myfunction</a:t>
             </a:r>
             <a:r>
-              <a:rPr lang="en-GB" sz="2400" dirty="0" smtClean="0">
+              <a:rPr lang="en-GB" sz="2400" dirty="0">
                 <a:latin typeface="Courier New" panose="02070309020205020404" pitchFamily="49" charset="0"/>
                 <a:cs typeface="Courier New" panose="02070309020205020404" pitchFamily="49" charset="0"/>
               </a:rPr>
@@ -31871,10 +31753,9 @@
           <a:p>
             <a:pPr algn="ctr"/>
             <a:r>
-              <a:rPr lang="en-GB" dirty="0" smtClean="0"/>
+              <a:rPr lang="en-GB" dirty="0"/>
               <a:t>How do I use a Python UDF in Hive?</a:t>
             </a:r>
-            <a:endParaRPr lang="en-GB" dirty="0"/>
           </a:p>
         </p:txBody>
       </p:sp>
@@ -32013,37 +31894,29 @@
               <a:buNone/>
             </a:pPr>
             <a:r>
-              <a:rPr lang="en-GB" dirty="0" smtClean="0"/>
+              <a:rPr lang="en-GB" dirty="0"/>
               <a:t>Hive exchanges data with Python using a </a:t>
             </a:r>
             <a:r>
-              <a:rPr lang="en-GB" i="1" dirty="0" smtClean="0"/>
+              <a:rPr lang="en-GB" i="1" dirty="0"/>
               <a:t>streaming</a:t>
             </a:r>
             <a:r>
-              <a:rPr lang="en-GB" dirty="0" smtClean="0"/>
+              <a:rPr lang="en-GB" dirty="0"/>
               <a:t> technique</a:t>
             </a:r>
           </a:p>
           <a:p>
             <a:pPr lvl="1"/>
             <a:r>
-              <a:rPr lang="en-GB" dirty="0" smtClean="0"/>
-              <a:t>Rows from Hive </a:t>
-            </a:r>
-            <a:r>
               <a:rPr lang="en-GB" dirty="0"/>
-              <a:t>are passed </a:t>
-            </a:r>
-            <a:r>
-              <a:rPr lang="en-GB" dirty="0" smtClean="0"/>
-              <a:t>to Python through STDIN</a:t>
+              <a:t>Rows from Hive are passed to Python through STDIN</a:t>
             </a:r>
           </a:p>
           <a:p>
             <a:pPr lvl="1"/>
             <a:r>
-              <a:rPr lang="en-GB" dirty="0" smtClean="0"/>
+              <a:rPr lang="en-GB" dirty="0"/>
               <a:t>Processed rows from Python are passed to Hive through STDOUT</a:t>
             </a:r>
             <a:endParaRPr lang="en-US" dirty="0"/>
@@ -32073,21 +31946,21 @@
           <a:lstStyle/>
           <a:p>
             <a:r>
-              <a:rPr lang="en-GB" sz="2800" dirty="0" smtClean="0">
+              <a:rPr lang="en-GB" sz="2800" dirty="0">
                 <a:latin typeface="Courier New" panose="02070309020205020404" pitchFamily="49" charset="0"/>
                 <a:cs typeface="Courier New" panose="02070309020205020404" pitchFamily="49" charset="0"/>
               </a:rPr>
               <a:t>line = </a:t>
             </a:r>
             <a:r>
-              <a:rPr lang="en-GB" sz="2800" dirty="0" err="1" smtClean="0">
+              <a:rPr lang="en-GB" sz="2800" dirty="0" err="1">
                 <a:latin typeface="Courier New" panose="02070309020205020404" pitchFamily="49" charset="0"/>
                 <a:cs typeface="Courier New" panose="02070309020205020404" pitchFamily="49" charset="0"/>
               </a:rPr>
               <a:t>sys.stdin.readline</a:t>
             </a:r>
             <a:r>
-              <a:rPr lang="en-GB" sz="2800" dirty="0" smtClean="0">
+              <a:rPr lang="en-GB" sz="2800" dirty="0">
                 <a:latin typeface="Courier New" panose="02070309020205020404" pitchFamily="49" charset="0"/>
                 <a:cs typeface="Courier New" panose="02070309020205020404" pitchFamily="49" charset="0"/>
               </a:rPr>
@@ -32471,7 +32344,7 @@
               <a:buNone/>
             </a:pPr>
             <a:r>
-              <a:rPr lang="en-GB" dirty="0" smtClean="0"/>
+              <a:rPr lang="en-GB" dirty="0"/>
               <a:t>Use the Hive TRANSFORM statement to invoke a UDF</a:t>
             </a:r>
             <a:endParaRPr lang="en-US" dirty="0"/>
@@ -32504,21 +32377,7 @@
                 <a:latin typeface="Courier New" panose="02070309020205020404" pitchFamily="49" charset="0"/>
                 <a:cs typeface="Courier New" panose="02070309020205020404" pitchFamily="49" charset="0"/>
               </a:rPr>
-              <a:t>add file wasb</a:t>
-            </a:r>
-            <a:r>
-              <a:rPr lang="en-US" sz="2800" dirty="0" smtClean="0">
-                <a:latin typeface="Courier New" panose="02070309020205020404" pitchFamily="49" charset="0"/>
-                <a:cs typeface="Courier New" panose="02070309020205020404" pitchFamily="49" charset="0"/>
-              </a:rPr>
-              <a:t>:///scripts/myscript.py</a:t>
-            </a:r>
-            <a:r>
-              <a:rPr lang="en-US" sz="2800" dirty="0">
-                <a:latin typeface="Courier New" panose="02070309020205020404" pitchFamily="49" charset="0"/>
-                <a:cs typeface="Courier New" panose="02070309020205020404" pitchFamily="49" charset="0"/>
-              </a:rPr>
-              <a:t>;</a:t>
+              <a:t>add file wasb:///scripts/myscript.py;</a:t>
             </a:r>
           </a:p>
           <a:p>
@@ -32533,48 +32392,7 @@
                 <a:latin typeface="Courier New" panose="02070309020205020404" pitchFamily="49" charset="0"/>
                 <a:cs typeface="Courier New" panose="02070309020205020404" pitchFamily="49" charset="0"/>
               </a:rPr>
-              <a:t>SELECT TRANSFORM </a:t>
-            </a:r>
-            <a:r>
-              <a:rPr lang="en-US" sz="2800" dirty="0" smtClean="0">
-                <a:latin typeface="Courier New" panose="02070309020205020404" pitchFamily="49" charset="0"/>
-                <a:cs typeface="Courier New" panose="02070309020205020404" pitchFamily="49" charset="0"/>
-              </a:rPr>
-              <a:t>(col1, col2, col3)</a:t>
-            </a:r>
-            <a:endParaRPr lang="en-US" sz="2800" dirty="0">
-              <a:latin typeface="Courier New" panose="02070309020205020404" pitchFamily="49" charset="0"/>
-              <a:cs typeface="Courier New" panose="02070309020205020404" pitchFamily="49" charset="0"/>
-            </a:endParaRPr>
-          </a:p>
-          <a:p>
-            <a:r>
-              <a:rPr lang="en-US" sz="2800" dirty="0">
-                <a:latin typeface="Courier New" panose="02070309020205020404" pitchFamily="49" charset="0"/>
-                <a:cs typeface="Courier New" panose="02070309020205020404" pitchFamily="49" charset="0"/>
-              </a:rPr>
-              <a:t>  USING </a:t>
-            </a:r>
-            <a:r>
-              <a:rPr lang="en-US" sz="2800" dirty="0" smtClean="0">
-                <a:latin typeface="Courier New" panose="02070309020205020404" pitchFamily="49" charset="0"/>
-                <a:cs typeface="Courier New" panose="02070309020205020404" pitchFamily="49" charset="0"/>
-              </a:rPr>
-              <a:t>'python myscript.py</a:t>
-            </a:r>
-            <a:r>
-              <a:rPr lang="en-US" sz="2800" dirty="0">
-                <a:latin typeface="Courier New" panose="02070309020205020404" pitchFamily="49" charset="0"/>
-                <a:cs typeface="Courier New" panose="02070309020205020404" pitchFamily="49" charset="0"/>
-              </a:rPr>
-              <a:t>' </a:t>
-            </a:r>
-            <a:r>
-              <a:rPr lang="en-US" sz="2800" dirty="0" smtClean="0">
-                <a:latin typeface="Courier New" panose="02070309020205020404" pitchFamily="49" charset="0"/>
-                <a:cs typeface="Courier New" panose="02070309020205020404" pitchFamily="49" charset="0"/>
-              </a:rPr>
-              <a:t> </a:t>
+              <a:t>SELECT TRANSFORM (col1, col2, col3)</a:t>
             </a:r>
           </a:p>
           <a:p>
@@ -32583,49 +32401,30 @@
                 <a:latin typeface="Courier New" panose="02070309020205020404" pitchFamily="49" charset="0"/>
                 <a:cs typeface="Courier New" panose="02070309020205020404" pitchFamily="49" charset="0"/>
               </a:rPr>
-              <a:t> </a:t>
+              <a:t>  USING 'python myscript.py'  </a:t>
             </a:r>
+          </a:p>
+          <a:p>
             <a:r>
-              <a:rPr lang="en-US" sz="2800" dirty="0" smtClean="0">
+              <a:rPr lang="en-US" sz="2800" dirty="0">
                 <a:latin typeface="Courier New" panose="02070309020205020404" pitchFamily="49" charset="0"/>
                 <a:cs typeface="Courier New" panose="02070309020205020404" pitchFamily="49" charset="0"/>
               </a:rPr>
-              <a:t> AS(col1 </a:t>
+              <a:t>  AS(col1 string, col2 </a:t>
+            </a:r>
+            <a:r>
+              <a:rPr lang="en-US" sz="2800" dirty="0" err="1">
+                <a:latin typeface="Courier New" panose="02070309020205020404" pitchFamily="49" charset="0"/>
+                <a:cs typeface="Courier New" panose="02070309020205020404" pitchFamily="49" charset="0"/>
+              </a:rPr>
+              <a:t>int</a:t>
             </a:r>
             <a:r>
               <a:rPr lang="en-US" sz="2800" dirty="0">
                 <a:latin typeface="Courier New" panose="02070309020205020404" pitchFamily="49" charset="0"/>
                 <a:cs typeface="Courier New" panose="02070309020205020404" pitchFamily="49" charset="0"/>
               </a:rPr>
-              <a:t>string, </a:t>
-            </a:r>
-            <a:r>
-              <a:rPr lang="en-US" sz="2800" dirty="0" smtClean="0">
-                <a:latin typeface="Courier New" panose="02070309020205020404" pitchFamily="49" charset="0"/>
-                <a:cs typeface="Courier New" panose="02070309020205020404" pitchFamily="49" charset="0"/>
-              </a:rPr>
-              <a:t>col2 </a:t>
-            </a:r>
-            <a:r>
-              <a:rPr lang="en-US" sz="2800" dirty="0" err="1" smtClean="0">
-                <a:latin typeface="Courier New" panose="02070309020205020404" pitchFamily="49" charset="0"/>
-                <a:cs typeface="Courier New" panose="02070309020205020404" pitchFamily="49" charset="0"/>
-              </a:rPr>
-              <a:t>int</a:t>
-            </a:r>
-            <a:r>
-              <a:rPr lang="en-US" sz="2800" dirty="0" smtClean="0">
-                <a:latin typeface="Courier New" panose="02070309020205020404" pitchFamily="49" charset="0"/>
-                <a:cs typeface="Courier New" panose="02070309020205020404" pitchFamily="49" charset="0"/>
-              </a:rPr>
-              <a:t>, col3 </a:t>
-            </a:r>
-            <a:r>
-              <a:rPr lang="en-US" sz="2800" dirty="0">
-                <a:latin typeface="Courier New" panose="02070309020205020404" pitchFamily="49" charset="0"/>
-                <a:cs typeface="Courier New" panose="02070309020205020404" pitchFamily="49" charset="0"/>
-              </a:rPr>
-              <a:t>string)</a:t>
+              <a:t>, col3 string)</a:t>
             </a:r>
           </a:p>
           <a:p>
@@ -32637,7 +32436,7 @@
               <a:t>FROM </a:t>
             </a:r>
             <a:r>
-              <a:rPr lang="en-US" sz="2800" dirty="0" err="1" smtClean="0">
+              <a:rPr lang="en-US" sz="2800" dirty="0" err="1">
                 <a:latin typeface="Courier New" panose="02070309020205020404" pitchFamily="49" charset="0"/>
                 <a:cs typeface="Courier New" panose="02070309020205020404" pitchFamily="49" charset="0"/>
               </a:rPr>
@@ -32654,19 +32453,8 @@
                 <a:latin typeface="Courier New" panose="02070309020205020404" pitchFamily="49" charset="0"/>
                 <a:cs typeface="Courier New" panose="02070309020205020404" pitchFamily="49" charset="0"/>
               </a:rPr>
-              <a:t>ORDER BY </a:t>
+              <a:t>ORDER BY col1;</a:t>
             </a:r>
-            <a:r>
-              <a:rPr lang="en-US" sz="2800" dirty="0" smtClean="0">
-                <a:latin typeface="Courier New" panose="02070309020205020404" pitchFamily="49" charset="0"/>
-                <a:cs typeface="Courier New" panose="02070309020205020404" pitchFamily="49" charset="0"/>
-              </a:rPr>
-              <a:t>col1;</a:t>
-            </a:r>
-            <a:endParaRPr lang="en-US" sz="2800" dirty="0">
-              <a:latin typeface="Courier New" panose="02070309020205020404" pitchFamily="49" charset="0"/>
-              <a:cs typeface="Courier New" panose="02070309020205020404" pitchFamily="49" charset="0"/>
-            </a:endParaRPr>
           </a:p>
         </p:txBody>
       </p:sp>
@@ -32875,10 +32663,9 @@
           <a:p>
             <a:pPr algn="ctr"/>
             <a:r>
-              <a:rPr lang="en-GB" dirty="0" smtClean="0"/>
+              <a:rPr lang="en-GB" dirty="0"/>
               <a:t>What is Pig?</a:t>
             </a:r>
-            <a:endParaRPr lang="en-GB" dirty="0"/>
           </a:p>
         </p:txBody>
       </p:sp>
@@ -33050,30 +32837,22 @@
           <a:p>
             <a:r>
               <a:rPr lang="en-US" dirty="0"/>
-              <a:t>Pig </a:t>
+              <a:t>Pig performs a series of transformations to data </a:t>
             </a:r>
             <a:r>
-              <a:rPr lang="en-US" dirty="0" smtClean="0"/>
-              <a:t>performs </a:t>
+              <a:rPr lang="en-US" i="1" dirty="0"/>
+              <a:t>relations</a:t>
             </a:r>
             <a:r>
               <a:rPr lang="en-US" dirty="0"/>
-              <a:t>a series of transformations to data </a:t>
-            </a:r>
-            <a:r>
-              <a:rPr lang="en-US" i="1" dirty="0" smtClean="0"/>
-              <a:t>relations</a:t>
-            </a:r>
-            <a:r>
-              <a:rPr lang="en-US" dirty="0" smtClean="0"/>
               <a:t> based on </a:t>
             </a:r>
             <a:r>
-              <a:rPr lang="en-US" i="1" dirty="0" smtClean="0"/>
+              <a:rPr lang="en-US" i="1" dirty="0"/>
               <a:t>Pig Latin </a:t>
             </a:r>
             <a:r>
-              <a:rPr lang="en-US" dirty="0" smtClean="0"/>
+              <a:rPr lang="en-US" dirty="0"/>
               <a:t>statements</a:t>
             </a:r>
             <a:endParaRPr lang="en-US" i="1" dirty="0"/>
@@ -33094,12 +32873,8 @@
           </a:p>
           <a:p>
             <a:r>
-              <a:rPr lang="en-US" dirty="0" smtClean="0"/>
-              <a:t>You can run </a:t>
-            </a:r>
-            <a:r>
               <a:rPr lang="en-US" dirty="0"/>
-              <a:t>Pig Latin statements interactively in the </a:t>
+              <a:t>You can run Pig Latin statements interactively in the </a:t>
             </a:r>
             <a:r>
               <a:rPr lang="en-US" i="1" dirty="0"/>
@@ -33107,13 +32882,8 @@
             </a:r>
             <a:r>
               <a:rPr lang="en-US" dirty="0"/>
-              <a:t> shell, or save a script file and run them as a </a:t>
+              <a:t> shell, or save a script file and run them as a batch</a:t>
             </a:r>
-            <a:r>
-              <a:rPr lang="en-US" dirty="0" smtClean="0"/>
-              <a:t>batch</a:t>
-            </a:r>
-            <a:endParaRPr lang="en-US" dirty="0"/>
           </a:p>
         </p:txBody>
       </p:sp>
@@ -42941,101 +42711,101 @@
           <a:p>
             <a:pPr lvl="1"/>
             <a:r>
-              <a:rPr lang="en-GB" dirty="0" smtClean="0"/>
+              <a:rPr lang="en-GB" dirty="0"/>
               <a:t>A </a:t>
             </a:r>
             <a:r>
-              <a:rPr lang="en-GB" i="1" dirty="0" smtClean="0"/>
+              <a:rPr lang="en-GB" i="1" dirty="0"/>
               <a:t>bag</a:t>
             </a:r>
             <a:r>
-              <a:rPr lang="en-GB" dirty="0" smtClean="0"/>
+              <a:rPr lang="en-GB" dirty="0"/>
               <a:t> is a collection of </a:t>
             </a:r>
             <a:r>
-              <a:rPr lang="en-GB" i="1" dirty="0" smtClean="0"/>
+              <a:rPr lang="en-GB" i="1" dirty="0"/>
               <a:t>tuples</a:t>
             </a:r>
           </a:p>
           <a:p>
             <a:pPr lvl="1"/>
             <a:r>
-              <a:rPr lang="en-GB" dirty="0" smtClean="0"/>
+              <a:rPr lang="en-GB" dirty="0"/>
               <a:t>A </a:t>
             </a:r>
             <a:r>
-              <a:rPr lang="en-GB" i="1" dirty="0" smtClean="0"/>
+              <a:rPr lang="en-GB" i="1" dirty="0"/>
               <a:t>tuple</a:t>
             </a:r>
             <a:r>
-              <a:rPr lang="en-GB" dirty="0" smtClean="0"/>
+              <a:rPr lang="en-GB" dirty="0"/>
               <a:t> is an ordered set of </a:t>
             </a:r>
             <a:r>
-              <a:rPr lang="en-GB" i="1" dirty="0" smtClean="0"/>
+              <a:rPr lang="en-GB" i="1" dirty="0"/>
               <a:t>fields</a:t>
             </a:r>
           </a:p>
           <a:p>
             <a:pPr lvl="1"/>
             <a:r>
-              <a:rPr lang="en-GB" dirty="0" smtClean="0"/>
+              <a:rPr lang="en-GB" dirty="0"/>
               <a:t>A </a:t>
             </a:r>
             <a:r>
-              <a:rPr lang="en-GB" i="1" dirty="0" smtClean="0"/>
+              <a:rPr lang="en-GB" i="1" dirty="0"/>
               <a:t>field</a:t>
             </a:r>
             <a:r>
-              <a:rPr lang="en-GB" dirty="0" smtClean="0"/>
+              <a:rPr lang="en-GB" dirty="0"/>
               <a:t> is a data item</a:t>
             </a:r>
           </a:p>
           <a:p>
             <a:r>
-              <a:rPr lang="en-GB" dirty="0" smtClean="0"/>
+              <a:rPr lang="en-GB" dirty="0"/>
               <a:t>A </a:t>
             </a:r>
             <a:r>
-              <a:rPr lang="en-GB" i="1" dirty="0" smtClean="0"/>
+              <a:rPr lang="en-GB" i="1" dirty="0"/>
               <a:t>field</a:t>
             </a:r>
             <a:r>
-              <a:rPr lang="en-GB" dirty="0" smtClean="0"/>
+              <a:rPr lang="en-GB" dirty="0"/>
               <a:t> can contain an </a:t>
             </a:r>
             <a:r>
-              <a:rPr lang="en-GB" i="1" dirty="0" smtClean="0"/>
+              <a:rPr lang="en-GB" i="1" dirty="0"/>
               <a:t>inner</a:t>
             </a:r>
             <a:r>
-              <a:rPr lang="en-GB" dirty="0" smtClean="0"/>
+              <a:rPr lang="en-GB" dirty="0"/>
               <a:t> </a:t>
             </a:r>
             <a:r>
-              <a:rPr lang="en-GB" i="1" dirty="0" smtClean="0"/>
+              <a:rPr lang="en-GB" i="1" dirty="0"/>
               <a:t>bag</a:t>
             </a:r>
           </a:p>
           <a:p>
             <a:r>
-              <a:rPr lang="en-GB" dirty="0" smtClean="0"/>
+              <a:rPr lang="en-GB" dirty="0"/>
               <a:t>A </a:t>
             </a:r>
             <a:r>
-              <a:rPr lang="en-GB" i="1" dirty="0" smtClean="0"/>
+              <a:rPr lang="en-GB" i="1" dirty="0"/>
               <a:t>bag</a:t>
             </a:r>
             <a:r>
-              <a:rPr lang="en-GB" dirty="0" smtClean="0"/>
+              <a:rPr lang="en-GB" dirty="0"/>
               <a:t> can contain </a:t>
             </a:r>
             <a:r>
-              <a:rPr lang="en-GB" i="1" dirty="0" smtClean="0"/>
+              <a:rPr lang="en-GB" i="1" dirty="0"/>
               <a:t>tuples</a:t>
             </a:r>
             <a:r>
-              <a:rPr lang="en-GB" dirty="0" smtClean="0"/>
+              <a:rPr lang="en-GB" dirty="0"/>
               <a:t> with non-matching schema</a:t>
             </a:r>
           </a:p>
@@ -43064,19 +42834,19 @@
           <a:lstStyle/>
           <a:p>
             <a:r>
-              <a:rPr lang="en-GB" sz="4400" dirty="0" smtClean="0"/>
+              <a:rPr lang="en-GB" sz="4400" dirty="0"/>
               <a:t>(a, 1)</a:t>
             </a:r>
           </a:p>
           <a:p>
             <a:r>
-              <a:rPr lang="en-GB" sz="4400" dirty="0" smtClean="0"/>
+              <a:rPr lang="en-GB" sz="4400" dirty="0"/>
               <a:t>(b, 2)</a:t>
             </a:r>
           </a:p>
           <a:p>
             <a:r>
-              <a:rPr lang="en-GB" sz="4400" dirty="0" smtClean="0"/>
+              <a:rPr lang="en-GB" sz="4400" dirty="0"/>
               <a:t>(c, 3)</a:t>
             </a:r>
           </a:p>
@@ -43105,7 +42875,7 @@
           <a:lstStyle/>
           <a:p>
             <a:r>
-              <a:rPr lang="en-GB" sz="4400" dirty="0" smtClean="0"/>
+              <a:rPr lang="en-GB" sz="4400" dirty="0"/>
               <a:t>(d, {(4, 5), (6,7)})</a:t>
             </a:r>
             <a:endParaRPr lang="en-US" sz="4400" dirty="0"/>
@@ -43135,13 +42905,13 @@
           <a:lstStyle/>
           <a:p>
             <a:r>
-              <a:rPr lang="en-GB" sz="4400" dirty="0" smtClean="0"/>
+              <a:rPr lang="en-GB" sz="4400" dirty="0"/>
               <a:t>(e)</a:t>
             </a:r>
           </a:p>
           <a:p>
             <a:r>
-              <a:rPr lang="en-GB" sz="4400" dirty="0" smtClean="0"/>
+              <a:rPr lang="en-GB" sz="4400" dirty="0"/>
               <a:t>(f, 8, 9)</a:t>
             </a:r>
             <a:endParaRPr lang="en-US" sz="4400" dirty="0"/>
@@ -43171,7 +42941,7 @@
           <a:lstStyle/>
           <a:p>
             <a:r>
-              <a:rPr lang="en-GB" sz="4400" dirty="0" smtClean="0"/>
+              <a:rPr lang="en-GB" sz="4400" dirty="0"/>
               <a:t>{</a:t>
             </a:r>
             <a:endParaRPr lang="en-US" sz="4400" dirty="0"/>
@@ -43201,7 +42971,7 @@
           <a:lstStyle/>
           <a:p>
             <a:r>
-              <a:rPr lang="en-GB" sz="4400" dirty="0" smtClean="0"/>
+              <a:rPr lang="en-GB" sz="4400" dirty="0"/>
               <a:t>}</a:t>
             </a:r>
             <a:endParaRPr lang="en-US" sz="4400" dirty="0"/>
@@ -43231,7 +43001,7 @@
           <a:lstStyle/>
           <a:p>
             <a:r>
-              <a:rPr lang="en-GB" sz="4400" dirty="0" smtClean="0"/>
+              <a:rPr lang="en-GB" sz="4400" dirty="0"/>
               <a:t>}</a:t>
             </a:r>
             <a:endParaRPr lang="en-US" sz="4400" dirty="0"/>
@@ -43261,7 +43031,7 @@
           <a:lstStyle/>
           <a:p>
             <a:r>
-              <a:rPr lang="en-GB" sz="4400" dirty="0" smtClean="0"/>
+              <a:rPr lang="en-GB" sz="4400" dirty="0"/>
               <a:t>}</a:t>
             </a:r>
             <a:endParaRPr lang="en-US" sz="4400" dirty="0"/>
@@ -44121,10 +43891,9 @@
           <a:p>
             <a:pPr algn="ctr"/>
             <a:r>
-              <a:rPr lang="en-GB" dirty="0" smtClean="0"/>
+              <a:rPr lang="en-GB" dirty="0"/>
               <a:t>What kinds of things can I do with Pig?</a:t>
             </a:r>
-            <a:endParaRPr lang="en-GB" dirty="0"/>
           </a:p>
         </p:txBody>
       </p:sp>
@@ -44276,67 +44045,54 @@
                 <a:latin typeface="Courier New" panose="02070309020205020404" pitchFamily="49" charset="0"/>
                 <a:cs typeface="Courier New" panose="02070309020205020404" pitchFamily="49" charset="0"/>
               </a:rPr>
-              <a:t>-- Load comma-delimited source </a:t>
-            </a:r>
-            <a:r>
-              <a:rPr lang="en-US" sz="1700" dirty="0" smtClean="0">
-                <a:solidFill>
-                  <a:schemeClr val="tx1">
-                    <a:lumMod val="50000"/>
-                    <a:lumOff val="50000"/>
-                  </a:schemeClr>
-                </a:solidFill>
-                <a:latin typeface="Courier New" panose="02070309020205020404" pitchFamily="49" charset="0"/>
-                <a:cs typeface="Courier New" panose="02070309020205020404" pitchFamily="49" charset="0"/>
-              </a:rPr>
-              <a:t>data</a:t>
+              <a:t>-- Load comma-delimited source data</a:t>
             </a:r>
           </a:p>
           <a:p>
             <a:r>
-              <a:rPr lang="en-US" sz="1700" dirty="0" smtClean="0">
+              <a:rPr lang="en-US" sz="1700" dirty="0">
                 <a:latin typeface="Courier New" panose="02070309020205020404" pitchFamily="49" charset="0"/>
                 <a:cs typeface="Courier New" panose="02070309020205020404" pitchFamily="49" charset="0"/>
               </a:rPr>
               <a:t>Readings = LOAD '/weather/data.txt' USING </a:t>
             </a:r>
             <a:r>
-              <a:rPr lang="en-US" sz="1700" dirty="0" err="1" smtClean="0">
+              <a:rPr lang="en-US" sz="1700" dirty="0" err="1">
                 <a:latin typeface="Courier New" panose="02070309020205020404" pitchFamily="49" charset="0"/>
                 <a:cs typeface="Courier New" panose="02070309020205020404" pitchFamily="49" charset="0"/>
               </a:rPr>
               <a:t>PigStorage</a:t>
             </a:r>
             <a:r>
-              <a:rPr lang="en-US" sz="1700" dirty="0" smtClean="0">
+              <a:rPr lang="en-US" sz="1700" dirty="0">
                 <a:latin typeface="Courier New" panose="02070309020205020404" pitchFamily="49" charset="0"/>
                 <a:cs typeface="Courier New" panose="02070309020205020404" pitchFamily="49" charset="0"/>
               </a:rPr>
               <a:t>(',') AS (</a:t>
             </a:r>
             <a:r>
-              <a:rPr lang="en-US" sz="1700" dirty="0" err="1" smtClean="0">
+              <a:rPr lang="en-US" sz="1700" dirty="0" err="1">
                 <a:latin typeface="Courier New" panose="02070309020205020404" pitchFamily="49" charset="0"/>
                 <a:cs typeface="Courier New" panose="02070309020205020404" pitchFamily="49" charset="0"/>
               </a:rPr>
               <a:t>date:chararray</a:t>
             </a:r>
             <a:r>
-              <a:rPr lang="en-US" sz="1700" dirty="0" smtClean="0">
+              <a:rPr lang="en-US" sz="1700" dirty="0">
                 <a:latin typeface="Courier New" panose="02070309020205020404" pitchFamily="49" charset="0"/>
                 <a:cs typeface="Courier New" panose="02070309020205020404" pitchFamily="49" charset="0"/>
               </a:rPr>
               <a:t>, </a:t>
             </a:r>
             <a:r>
-              <a:rPr lang="en-US" sz="1700" dirty="0" err="1" smtClean="0">
+              <a:rPr lang="en-US" sz="1700" dirty="0" err="1">
                 <a:latin typeface="Courier New" panose="02070309020205020404" pitchFamily="49" charset="0"/>
                 <a:cs typeface="Courier New" panose="02070309020205020404" pitchFamily="49" charset="0"/>
               </a:rPr>
               <a:t>temp:long</a:t>
             </a:r>
             <a:r>
-              <a:rPr lang="en-US" sz="1700" dirty="0" smtClean="0">
+              <a:rPr lang="en-US" sz="1700" dirty="0">
                 <a:latin typeface="Courier New" panose="02070309020205020404" pitchFamily="49" charset="0"/>
                 <a:cs typeface="Courier New" panose="02070309020205020404" pitchFamily="49" charset="0"/>
               </a:rPr>
@@ -44344,19 +44100,6 @@
             </a:r>
           </a:p>
           <a:p>
-            <a:r>
-              <a:rPr lang="en-US" sz="1700" dirty="0" smtClean="0">
-                <a:solidFill>
-                  <a:schemeClr val="tx1">
-                    <a:lumMod val="50000"/>
-                    <a:lumOff val="50000"/>
-                  </a:schemeClr>
-                </a:solidFill>
-                <a:latin typeface="Courier New" panose="02070309020205020404" pitchFamily="49" charset="0"/>
-                <a:cs typeface="Courier New" panose="02070309020205020404" pitchFamily="49" charset="0"/>
-              </a:rPr>
-              <a:t>-- </a:t>
-            </a:r>
             <a:r>
               <a:rPr lang="en-US" sz="1700" dirty="0">
                 <a:solidFill>
@@ -44368,7 +44111,7 @@
                 <a:latin typeface="Courier New" panose="02070309020205020404" pitchFamily="49" charset="0"/>
                 <a:cs typeface="Courier New" panose="02070309020205020404" pitchFamily="49" charset="0"/>
               </a:rPr>
-              <a:t>Group the tuples by date</a:t>
+              <a:t>-- Group the tuples by date</a:t>
             </a:r>
           </a:p>
           <a:p>
@@ -44446,23 +44189,19 @@
               <a:t>) AS </a:t>
             </a:r>
             <a:r>
-              <a:rPr lang="en-US" sz="1700" dirty="0" err="1" smtClean="0">
+              <a:rPr lang="en-US" sz="1700" dirty="0" err="1">
                 <a:latin typeface="Courier New" panose="02070309020205020404" pitchFamily="49" charset="0"/>
                 <a:cs typeface="Courier New" panose="02070309020205020404" pitchFamily="49" charset="0"/>
               </a:rPr>
               <a:t>avgtemp</a:t>
             </a:r>
             <a:r>
-              <a:rPr lang="en-US" sz="1700" dirty="0" smtClean="0">
+              <a:rPr lang="en-US" sz="1700" dirty="0">
                 <a:latin typeface="Courier New" panose="02070309020205020404" pitchFamily="49" charset="0"/>
                 <a:cs typeface="Courier New" panose="02070309020205020404" pitchFamily="49" charset="0"/>
               </a:rPr>
               <a:t>; </a:t>
             </a:r>
-            <a:endParaRPr lang="en-US" sz="1700" dirty="0">
-              <a:latin typeface="Courier New" panose="02070309020205020404" pitchFamily="49" charset="0"/>
-              <a:cs typeface="Courier New" panose="02070309020205020404" pitchFamily="49" charset="0"/>
-            </a:endParaRPr>
           </a:p>
           <a:p>
             <a:r>
@@ -44509,23 +44248,19 @@
               <a:t> GENERATE FLATTEN(group) as date, </a:t>
             </a:r>
             <a:r>
-              <a:rPr lang="en-US" sz="1700" dirty="0" err="1" smtClean="0">
+              <a:rPr lang="en-US" sz="1700" dirty="0" err="1">
                 <a:latin typeface="Courier New" panose="02070309020205020404" pitchFamily="49" charset="0"/>
                 <a:cs typeface="Courier New" panose="02070309020205020404" pitchFamily="49" charset="0"/>
               </a:rPr>
               <a:t>avgtemp</a:t>
             </a:r>
             <a:r>
-              <a:rPr lang="en-US" sz="1700" dirty="0" smtClean="0">
+              <a:rPr lang="en-US" sz="1700" dirty="0">
                 <a:latin typeface="Courier New" panose="02070309020205020404" pitchFamily="49" charset="0"/>
                 <a:cs typeface="Courier New" panose="02070309020205020404" pitchFamily="49" charset="0"/>
               </a:rPr>
               <a:t>;</a:t>
             </a:r>
-            <a:endParaRPr lang="en-US" sz="1700" dirty="0">
-              <a:latin typeface="Courier New" panose="02070309020205020404" pitchFamily="49" charset="0"/>
-              <a:cs typeface="Courier New" panose="02070309020205020404" pitchFamily="49" charset="0"/>
-            </a:endParaRPr>
           </a:p>
           <a:p>
             <a:r>
@@ -44634,81 +44369,57 @@
           <a:lstStyle/>
           <a:p>
             <a:r>
-              <a:rPr lang="en-US" dirty="0" smtClean="0">
+              <a:rPr lang="en-US" dirty="0">
                 <a:latin typeface="Courier New" panose="02070309020205020404" pitchFamily="49" charset="0"/>
                 <a:cs typeface="Courier New" panose="02070309020205020404" pitchFamily="49" charset="0"/>
               </a:rPr>
               <a:t>2013-06-01,12</a:t>
             </a:r>
-            <a:endParaRPr lang="en-US" dirty="0">
-              <a:latin typeface="Courier New" panose="02070309020205020404" pitchFamily="49" charset="0"/>
-              <a:cs typeface="Courier New" panose="02070309020205020404" pitchFamily="49" charset="0"/>
-            </a:endParaRPr>
           </a:p>
           <a:p>
             <a:r>
-              <a:rPr lang="en-US" dirty="0" smtClean="0">
+              <a:rPr lang="en-US" dirty="0">
                 <a:latin typeface="Courier New" panose="02070309020205020404" pitchFamily="49" charset="0"/>
                 <a:cs typeface="Courier New" panose="02070309020205020404" pitchFamily="49" charset="0"/>
               </a:rPr>
               <a:t>2013-06-01,14</a:t>
             </a:r>
-            <a:endParaRPr lang="en-US" dirty="0">
-              <a:latin typeface="Courier New" panose="02070309020205020404" pitchFamily="49" charset="0"/>
-              <a:cs typeface="Courier New" panose="02070309020205020404" pitchFamily="49" charset="0"/>
-            </a:endParaRPr>
           </a:p>
           <a:p>
             <a:r>
-              <a:rPr lang="en-US" dirty="0" smtClean="0">
+              <a:rPr lang="en-US" dirty="0">
                 <a:latin typeface="Courier New" panose="02070309020205020404" pitchFamily="49" charset="0"/>
                 <a:cs typeface="Courier New" panose="02070309020205020404" pitchFamily="49" charset="0"/>
               </a:rPr>
               <a:t>2013-06-01,16</a:t>
             </a:r>
-            <a:endParaRPr lang="en-US" dirty="0">
-              <a:latin typeface="Courier New" panose="02070309020205020404" pitchFamily="49" charset="0"/>
-              <a:cs typeface="Courier New" panose="02070309020205020404" pitchFamily="49" charset="0"/>
-            </a:endParaRPr>
           </a:p>
           <a:p>
             <a:r>
-              <a:rPr lang="en-US" dirty="0" smtClean="0">
+              <a:rPr lang="en-US" dirty="0">
                 <a:latin typeface="Courier New" panose="02070309020205020404" pitchFamily="49" charset="0"/>
                 <a:cs typeface="Courier New" panose="02070309020205020404" pitchFamily="49" charset="0"/>
               </a:rPr>
               <a:t>2013-06-02,9</a:t>
             </a:r>
-            <a:endParaRPr lang="en-US" dirty="0">
-              <a:latin typeface="Courier New" panose="02070309020205020404" pitchFamily="49" charset="0"/>
-              <a:cs typeface="Courier New" panose="02070309020205020404" pitchFamily="49" charset="0"/>
-            </a:endParaRPr>
           </a:p>
           <a:p>
             <a:r>
-              <a:rPr lang="en-US" dirty="0" smtClean="0">
+              <a:rPr lang="en-US" dirty="0">
                 <a:latin typeface="Courier New" panose="02070309020205020404" pitchFamily="49" charset="0"/>
                 <a:cs typeface="Courier New" panose="02070309020205020404" pitchFamily="49" charset="0"/>
               </a:rPr>
               <a:t>2013-06-02,12</a:t>
             </a:r>
-            <a:endParaRPr lang="en-US" dirty="0">
-              <a:latin typeface="Courier New" panose="02070309020205020404" pitchFamily="49" charset="0"/>
-              <a:cs typeface="Courier New" panose="02070309020205020404" pitchFamily="49" charset="0"/>
-            </a:endParaRPr>
           </a:p>
           <a:p>
             <a:r>
-              <a:rPr lang="en-US" dirty="0" smtClean="0">
+              <a:rPr lang="en-US" dirty="0">
                 <a:latin typeface="Courier New" panose="02070309020205020404" pitchFamily="49" charset="0"/>
                 <a:cs typeface="Courier New" panose="02070309020205020404" pitchFamily="49" charset="0"/>
               </a:rPr>
               <a:t>2013-06-02,9</a:t>
             </a:r>
-            <a:endParaRPr lang="en-US" dirty="0">
-              <a:latin typeface="Courier New" panose="02070309020205020404" pitchFamily="49" charset="0"/>
-              <a:cs typeface="Courier New" panose="02070309020205020404" pitchFamily="49" charset="0"/>
-            </a:endParaRPr>
           </a:p>
           <a:p>
             <a:r>
@@ -44747,28 +44458,17 @@
                 <a:latin typeface="Courier New" panose="02070309020205020404" pitchFamily="49" charset="0"/>
                 <a:cs typeface="Courier New" panose="02070309020205020404" pitchFamily="49" charset="0"/>
               </a:rPr>
-              <a:t>2013-06-01  </a:t>
-            </a:r>
-            <a:r>
-              <a:rPr lang="en-US" dirty="0" smtClean="0">
-                <a:latin typeface="Courier New" panose="02070309020205020404" pitchFamily="49" charset="0"/>
-                <a:cs typeface="Courier New" panose="02070309020205020404" pitchFamily="49" charset="0"/>
-              </a:rPr>
-              <a:t>14.00 </a:t>
+              <a:t>2013-06-01  14.00 </a:t>
             </a:r>
           </a:p>
           <a:p>
             <a:r>
-              <a:rPr lang="en-US" dirty="0" smtClean="0">
+              <a:rPr lang="en-US" dirty="0">
                 <a:latin typeface="Courier New" panose="02070309020205020404" pitchFamily="49" charset="0"/>
                 <a:cs typeface="Courier New" panose="02070309020205020404" pitchFamily="49" charset="0"/>
               </a:rPr>
               <a:t>2013-06-02  10.00</a:t>
             </a:r>
-            <a:endParaRPr lang="en-US" dirty="0">
-              <a:latin typeface="Courier New" panose="02070309020205020404" pitchFamily="49" charset="0"/>
-              <a:cs typeface="Courier New" panose="02070309020205020404" pitchFamily="49" charset="0"/>
-            </a:endParaRPr>
           </a:p>
         </p:txBody>
       </p:sp>
@@ -45764,7 +45464,7 @@
           <a:lstStyle/>
           <a:p>
             <a:r>
-              <a:rPr lang="en-GB" b="0" dirty="0" smtClean="0">
+              <a:rPr lang="en-GB" b="0" dirty="0">
                 <a:latin typeface="Courier New" panose="02070309020205020404" pitchFamily="49" charset="0"/>
                 <a:cs typeface="Courier New" panose="02070309020205020404" pitchFamily="49" charset="0"/>
               </a:rPr>
@@ -45773,7 +45473,7 @@
           </a:p>
           <a:p>
             <a:r>
-              <a:rPr lang="en-GB" b="0" dirty="0" smtClean="0">
+              <a:rPr lang="en-GB" b="0" dirty="0">
                 <a:latin typeface="Courier New" panose="02070309020205020404" pitchFamily="49" charset="0"/>
                 <a:cs typeface="Courier New" panose="02070309020205020404" pitchFamily="49" charset="0"/>
               </a:rPr>
@@ -45800,7 +45500,7 @@
           </a:p>
           <a:p>
             <a:r>
-              <a:rPr lang="en-GB" b="0" dirty="0" smtClean="0">
+              <a:rPr lang="en-GB" b="0" dirty="0">
                 <a:latin typeface="Courier New" panose="02070309020205020404" pitchFamily="49" charset="0"/>
                 <a:cs typeface="Courier New" panose="02070309020205020404" pitchFamily="49" charset="0"/>
               </a:rPr>
@@ -45848,7 +45548,7 @@
           </a:p>
           <a:p>
             <a:r>
-              <a:rPr lang="en-GB" b="0" dirty="0" smtClean="0">
+              <a:rPr lang="en-GB" b="0" dirty="0">
                 <a:latin typeface="Courier New" panose="02070309020205020404" pitchFamily="49" charset="0"/>
                 <a:cs typeface="Courier New" panose="02070309020205020404" pitchFamily="49" charset="0"/>
               </a:rPr>
@@ -45857,7 +45557,7 @@
           </a:p>
           <a:p>
             <a:r>
-              <a:rPr lang="en-GB" b="0" dirty="0" smtClean="0">
+              <a:rPr lang="en-GB" b="0" dirty="0">
                 <a:latin typeface="Courier New" panose="02070309020205020404" pitchFamily="49" charset="0"/>
                 <a:cs typeface="Courier New" panose="02070309020205020404" pitchFamily="49" charset="0"/>
               </a:rPr>
@@ -45866,7 +45566,7 @@
           </a:p>
           <a:p>
             <a:r>
-              <a:rPr lang="en-GB" b="0" dirty="0" smtClean="0">
+              <a:rPr lang="en-GB" b="0" dirty="0">
                 <a:latin typeface="Courier New" panose="02070309020205020404" pitchFamily="49" charset="0"/>
                 <a:cs typeface="Courier New" panose="02070309020205020404" pitchFamily="49" charset="0"/>
               </a:rPr>
@@ -45900,7 +45600,7 @@
           <a:lstStyle/>
           <a:p>
             <a:r>
-              <a:rPr lang="en-GB" dirty="0" smtClean="0"/>
+              <a:rPr lang="en-GB" dirty="0"/>
               <a:t>Common Pig Latin Operations</a:t>
             </a:r>
             <a:endParaRPr lang="en-US" dirty="0"/>
@@ -46539,27 +46239,27 @@
           <a:lstStyle/>
           <a:p>
             <a:r>
-              <a:rPr lang="en-GB" dirty="0" smtClean="0"/>
+              <a:rPr lang="en-GB" dirty="0"/>
               <a:t>Pig generates Map and Reduce operations from Pig Latin</a:t>
             </a:r>
           </a:p>
           <a:p>
             <a:r>
-              <a:rPr lang="en-GB" dirty="0" smtClean="0"/>
+              <a:rPr lang="en-GB" dirty="0"/>
               <a:t>Jobs are generated on:</a:t>
             </a:r>
           </a:p>
           <a:p>
             <a:pPr lvl="1"/>
             <a:r>
-              <a:rPr lang="en-GB" dirty="0" smtClean="0"/>
+              <a:rPr lang="en-GB" dirty="0"/>
               <a:t>DUMP</a:t>
             </a:r>
           </a:p>
           <a:p>
             <a:pPr lvl="1"/>
             <a:r>
-              <a:rPr lang="en-GB" dirty="0" smtClean="0"/>
+              <a:rPr lang="en-GB" dirty="0"/>
               <a:t>STORE</a:t>
             </a:r>
             <a:endParaRPr lang="en-US" dirty="0"/>
@@ -46588,18 +46288,11 @@
           <a:lstStyle/>
           <a:p>
             <a:r>
-              <a:rPr lang="en-US" dirty="0" smtClean="0">
-                <a:latin typeface="Courier New" panose="02070309020205020404" pitchFamily="49" charset="0"/>
-                <a:cs typeface="Courier New" panose="02070309020205020404" pitchFamily="49" charset="0"/>
-              </a:rPr>
-              <a:t>Readings </a:t>
-            </a:r>
-            <a:r>
               <a:rPr lang="en-US" dirty="0">
                 <a:latin typeface="Courier New" panose="02070309020205020404" pitchFamily="49" charset="0"/>
                 <a:cs typeface="Courier New" panose="02070309020205020404" pitchFamily="49" charset="0"/>
               </a:rPr>
-              <a:t>= LOAD '/weather/data.txt' USING </a:t>
+              <a:t>Readings = LOAD '/weather/data.txt' USING </a:t>
             </a:r>
             <a:r>
               <a:rPr lang="en-US" dirty="0" err="1">
@@ -46616,68 +46309,50 @@
               <a:t>(',') AS (date, </a:t>
             </a:r>
             <a:r>
-              <a:rPr lang="en-US" dirty="0" err="1" smtClean="0">
+              <a:rPr lang="en-US" dirty="0" err="1">
                 <a:latin typeface="Courier New" panose="02070309020205020404" pitchFamily="49" charset="0"/>
                 <a:cs typeface="Courier New" panose="02070309020205020404" pitchFamily="49" charset="0"/>
               </a:rPr>
               <a:t>temp:long</a:t>
             </a:r>
             <a:r>
-              <a:rPr lang="en-US" dirty="0" smtClean="0">
+              <a:rPr lang="en-US" dirty="0">
                 <a:latin typeface="Courier New" panose="02070309020205020404" pitchFamily="49" charset="0"/>
                 <a:cs typeface="Courier New" panose="02070309020205020404" pitchFamily="49" charset="0"/>
               </a:rPr>
               <a:t>); </a:t>
             </a:r>
-            <a:endParaRPr lang="en-US" dirty="0">
-              <a:latin typeface="Courier New" panose="02070309020205020404" pitchFamily="49" charset="0"/>
-              <a:cs typeface="Courier New" panose="02070309020205020404" pitchFamily="49" charset="0"/>
-            </a:endParaRPr>
           </a:p>
           <a:p>
             <a:r>
-              <a:rPr lang="en-US" dirty="0" err="1" smtClean="0">
+              <a:rPr lang="en-US" dirty="0" err="1">
                 <a:latin typeface="Courier New" panose="02070309020205020404" pitchFamily="49" charset="0"/>
                 <a:cs typeface="Courier New" panose="02070309020205020404" pitchFamily="49" charset="0"/>
               </a:rPr>
               <a:t>GroupedReadings</a:t>
             </a:r>
             <a:r>
-              <a:rPr lang="en-US" dirty="0" smtClean="0">
+              <a:rPr lang="en-US" dirty="0">
                 <a:latin typeface="Courier New" panose="02070309020205020404" pitchFamily="49" charset="0"/>
                 <a:cs typeface="Courier New" panose="02070309020205020404" pitchFamily="49" charset="0"/>
               </a:rPr>
-              <a:t> </a:t>
+              <a:t> = GROUP Readings BY date; </a:t>
+            </a:r>
+          </a:p>
+          <a:p>
+            <a:r>
+              <a:rPr lang="en-US" dirty="0" err="1">
+                <a:latin typeface="Courier New" panose="02070309020205020404" pitchFamily="49" charset="0"/>
+                <a:cs typeface="Courier New" panose="02070309020205020404" pitchFamily="49" charset="0"/>
+              </a:rPr>
+              <a:t>GroupedAvgs</a:t>
             </a:r>
             <a:r>
               <a:rPr lang="en-US" dirty="0">
                 <a:latin typeface="Courier New" panose="02070309020205020404" pitchFamily="49" charset="0"/>
                 <a:cs typeface="Courier New" panose="02070309020205020404" pitchFamily="49" charset="0"/>
               </a:rPr>
-              <a:t>= GROUP Readings BY date; </a:t>
-            </a:r>
-          </a:p>
-          <a:p>
-            <a:r>
-              <a:rPr lang="en-US" dirty="0" err="1" smtClean="0">
-                <a:latin typeface="Courier New" panose="02070309020205020404" pitchFamily="49" charset="0"/>
-                <a:cs typeface="Courier New" panose="02070309020205020404" pitchFamily="49" charset="0"/>
-              </a:rPr>
-              <a:t>GroupedAvgs</a:t>
-            </a:r>
-            <a:r>
-              <a:rPr lang="en-US" dirty="0" smtClean="0">
-                <a:latin typeface="Courier New" panose="02070309020205020404" pitchFamily="49" charset="0"/>
-                <a:cs typeface="Courier New" panose="02070309020205020404" pitchFamily="49" charset="0"/>
-              </a:rPr>
-              <a:t> </a:t>
-            </a:r>
-            <a:r>
-              <a:rPr lang="en-US" dirty="0">
-                <a:latin typeface="Courier New" panose="02070309020205020404" pitchFamily="49" charset="0"/>
-                <a:cs typeface="Courier New" panose="02070309020205020404" pitchFamily="49" charset="0"/>
-              </a:rPr>
-              <a:t>= FOREACH </a:t>
+              <a:t> = FOREACH </a:t>
             </a:r>
             <a:r>
               <a:rPr lang="en-US" dirty="0" err="1">
@@ -46708,45 +46383,34 @@
               <a:t>) AS </a:t>
             </a:r>
             <a:r>
-              <a:rPr lang="en-US" dirty="0" err="1" smtClean="0">
+              <a:rPr lang="en-US" dirty="0" err="1">
                 <a:latin typeface="Courier New" panose="02070309020205020404" pitchFamily="49" charset="0"/>
                 <a:cs typeface="Courier New" panose="02070309020205020404" pitchFamily="49" charset="0"/>
               </a:rPr>
               <a:t>avgtemp</a:t>
             </a:r>
             <a:r>
-              <a:rPr lang="en-US" dirty="0" smtClean="0">
+              <a:rPr lang="en-US" dirty="0">
                 <a:latin typeface="Courier New" panose="02070309020205020404" pitchFamily="49" charset="0"/>
                 <a:cs typeface="Courier New" panose="02070309020205020404" pitchFamily="49" charset="0"/>
               </a:rPr>
               <a:t>; </a:t>
             </a:r>
-            <a:endParaRPr lang="en-US" dirty="0">
-              <a:latin typeface="Courier New" panose="02070309020205020404" pitchFamily="49" charset="0"/>
-              <a:cs typeface="Courier New" panose="02070309020205020404" pitchFamily="49" charset="0"/>
-            </a:endParaRPr>
           </a:p>
           <a:p>
             <a:r>
-              <a:rPr lang="en-US" dirty="0" err="1" smtClean="0">
+              <a:rPr lang="en-US" dirty="0" err="1">
                 <a:latin typeface="Courier New" panose="02070309020205020404" pitchFamily="49" charset="0"/>
                 <a:cs typeface="Courier New" panose="02070309020205020404" pitchFamily="49" charset="0"/>
               </a:rPr>
               <a:t>AvgWeather</a:t>
             </a:r>
             <a:r>
-              <a:rPr lang="en-US" dirty="0" smtClean="0">
-                <a:latin typeface="Courier New" panose="02070309020205020404" pitchFamily="49" charset="0"/>
-                <a:cs typeface="Courier New" panose="02070309020205020404" pitchFamily="49" charset="0"/>
-              </a:rPr>
-              <a:t> </a:t>
-            </a:r>
-            <a:r>
               <a:rPr lang="en-US" dirty="0">
                 <a:latin typeface="Courier New" panose="02070309020205020404" pitchFamily="49" charset="0"/>
                 <a:cs typeface="Courier New" panose="02070309020205020404" pitchFamily="49" charset="0"/>
               </a:rPr>
-              <a:t>= FOREACH </a:t>
+              <a:t> = FOREACH </a:t>
             </a:r>
             <a:r>
               <a:rPr lang="en-US" dirty="0" err="1">
@@ -46763,45 +46427,34 @@
               <a:t> GENERATE FLATTEN(group) as date, </a:t>
             </a:r>
             <a:r>
-              <a:rPr lang="en-US" dirty="0" err="1" smtClean="0">
+              <a:rPr lang="en-US" dirty="0" err="1">
                 <a:latin typeface="Courier New" panose="02070309020205020404" pitchFamily="49" charset="0"/>
                 <a:cs typeface="Courier New" panose="02070309020205020404" pitchFamily="49" charset="0"/>
               </a:rPr>
               <a:t>avgtemp</a:t>
             </a:r>
             <a:r>
-              <a:rPr lang="en-US" dirty="0" smtClean="0">
+              <a:rPr lang="en-US" dirty="0">
                 <a:latin typeface="Courier New" panose="02070309020205020404" pitchFamily="49" charset="0"/>
                 <a:cs typeface="Courier New" panose="02070309020205020404" pitchFamily="49" charset="0"/>
               </a:rPr>
               <a:t>;</a:t>
             </a:r>
-            <a:endParaRPr lang="en-US" dirty="0">
-              <a:latin typeface="Courier New" panose="02070309020205020404" pitchFamily="49" charset="0"/>
-              <a:cs typeface="Courier New" panose="02070309020205020404" pitchFamily="49" charset="0"/>
-            </a:endParaRPr>
           </a:p>
           <a:p>
             <a:r>
-              <a:rPr lang="en-US" dirty="0" err="1" smtClean="0">
+              <a:rPr lang="en-US" dirty="0" err="1">
                 <a:latin typeface="Courier New" panose="02070309020205020404" pitchFamily="49" charset="0"/>
                 <a:cs typeface="Courier New" panose="02070309020205020404" pitchFamily="49" charset="0"/>
               </a:rPr>
               <a:t>SortedResults</a:t>
             </a:r>
             <a:r>
-              <a:rPr lang="en-US" dirty="0" smtClean="0">
-                <a:latin typeface="Courier New" panose="02070309020205020404" pitchFamily="49" charset="0"/>
-                <a:cs typeface="Courier New" panose="02070309020205020404" pitchFamily="49" charset="0"/>
-              </a:rPr>
-              <a:t> </a:t>
-            </a:r>
-            <a:r>
               <a:rPr lang="en-US" dirty="0">
                 <a:latin typeface="Courier New" panose="02070309020205020404" pitchFamily="49" charset="0"/>
                 <a:cs typeface="Courier New" panose="02070309020205020404" pitchFamily="49" charset="0"/>
               </a:rPr>
-              <a:t>= ORDER </a:t>
+              <a:t> = ORDER </a:t>
             </a:r>
             <a:r>
               <a:rPr lang="en-US" dirty="0" err="1">
@@ -46820,7 +46473,7 @@
           </a:p>
           <a:p>
             <a:r>
-              <a:rPr lang="en-US" b="1" dirty="0" smtClean="0">
+              <a:rPr lang="en-US" b="1" dirty="0">
                 <a:latin typeface="Courier New" panose="02070309020205020404" pitchFamily="49" charset="0"/>
                 <a:cs typeface="Courier New" panose="02070309020205020404" pitchFamily="49" charset="0"/>
               </a:rPr>
@@ -46882,7 +46535,7 @@
           <a:p>
             <a:pPr algn="ctr"/>
             <a:r>
-              <a:rPr lang="en-GB" sz="2000" dirty="0" smtClean="0">
+              <a:rPr lang="en-GB" sz="2000" dirty="0">
                 <a:latin typeface="Segoe UI" panose="020B0502040204020203" pitchFamily="34" charset="0"/>
                 <a:cs typeface="Segoe UI" panose="020B0502040204020203" pitchFamily="34" charset="0"/>
               </a:rPr>
@@ -47261,10 +46914,9 @@
           <a:p>
             <a:pPr algn="ctr"/>
             <a:r>
-              <a:rPr lang="en-GB" dirty="0" smtClean="0"/>
+              <a:rPr lang="en-GB" dirty="0"/>
               <a:t>How do I run a Pig script?</a:t>
             </a:r>
-            <a:endParaRPr lang="en-GB" dirty="0"/>
           </a:p>
         </p:txBody>
       </p:sp>
@@ -48175,6 +47827,21 @@
 </file>
 
 <file path=customXml/item1.xml><?xml version="1.0" encoding="utf-8"?>
+<p:properties xmlns:p="http://schemas.microsoft.com/office/2006/metadata/properties" xmlns:xsi="http://www.w3.org/2001/XMLSchema-instance" xmlns:pc="http://schemas.microsoft.com/office/infopath/2007/PartnerControls">
+  <documentManagement/>
+</p:properties>
+</file>
+
+<file path=customXml/item2.xml><?xml version="1.0" encoding="utf-8"?>
+<?mso-contentType ?>
+<FormTemplates xmlns="http://schemas.microsoft.com/sharepoint/v3/contenttype/forms">
+  <Display>DocumentLibraryForm</Display>
+  <Edit>DocumentLibraryForm</Edit>
+  <New>DocumentLibraryForm</New>
+</FormTemplates>
+</file>
+
+<file path=customXml/item3.xml><?xml version="1.0" encoding="utf-8"?>
 <ct:contentTypeSchema xmlns:ct="http://schemas.microsoft.com/office/2006/metadata/contentType" xmlns:ma="http://schemas.microsoft.com/office/2006/metadata/properties/metaAttributes" ct:_="" ma:_="" ma:contentTypeName="Document" ma:contentTypeID="0x010100391E57C78B9F604FB8BAD296D1460E2A" ma:contentTypeVersion="1" ma:contentTypeDescription="Create a new document." ma:contentTypeScope="" ma:versionID="fb382fe2362acd2155f454904f478e4d">
   <xsd:schema xmlns:xsd="http://www.w3.org/2001/XMLSchema" xmlns:xs="http://www.w3.org/2001/XMLSchema" xmlns:p="http://schemas.microsoft.com/office/2006/metadata/properties" xmlns:ns3="636b0322-90fb-440c-9cbc-22749e7231e9" targetNamespace="http://schemas.microsoft.com/office/2006/metadata/properties" ma:root="true" ma:fieldsID="b9887c63ce4710c1aeb75a5f03aecb69" ns3:_="">
     <xsd:import namespace="636b0322-90fb-440c-9cbc-22749e7231e9"/>
@@ -48314,22 +47981,31 @@
 </ct:contentTypeSchema>
 </file>
 
-<file path=customXml/item2.xml><?xml version="1.0" encoding="utf-8"?>
-<?mso-contentType ?>
-<FormTemplates xmlns="http://schemas.microsoft.com/sharepoint/v3/contenttype/forms">
-  <Display>DocumentLibraryForm</Display>
-  <Edit>DocumentLibraryForm</Edit>
-  <New>DocumentLibraryForm</New>
-</FormTemplates>
+<file path=customXml/itemProps1.xml><?xml version="1.0" encoding="utf-8"?>
+<ds:datastoreItem xmlns:ds="http://schemas.openxmlformats.org/officeDocument/2006/customXml" ds:itemID="{7025FDD9-4C58-4084-9F89-0E6ADD6FFF55}">
+  <ds:schemaRefs>
+    <ds:schemaRef ds:uri="636b0322-90fb-440c-9cbc-22749e7231e9"/>
+    <ds:schemaRef ds:uri="http://purl.org/dc/terms/"/>
+    <ds:schemaRef ds:uri="http://schemas.openxmlformats.org/package/2006/metadata/core-properties"/>
+    <ds:schemaRef ds:uri="http://schemas.microsoft.com/office/2006/documentManagement/types"/>
+    <ds:schemaRef ds:uri="http://schemas.microsoft.com/office/infopath/2007/PartnerControls"/>
+    <ds:schemaRef ds:uri="http://purl.org/dc/elements/1.1/"/>
+    <ds:schemaRef ds:uri="http://schemas.microsoft.com/office/2006/metadata/properties"/>
+    <ds:schemaRef ds:uri="http://www.w3.org/XML/1998/namespace"/>
+    <ds:schemaRef ds:uri="http://purl.org/dc/dcmitype/"/>
+  </ds:schemaRefs>
+</ds:datastoreItem>
 </file>
 
-<file path=customXml/item3.xml><?xml version="1.0" encoding="utf-8"?>
-<p:properties xmlns:p="http://schemas.microsoft.com/office/2006/metadata/properties" xmlns:xsi="http://www.w3.org/2001/XMLSchema-instance" xmlns:pc="http://schemas.microsoft.com/office/infopath/2007/PartnerControls">
-  <documentManagement/>
-</p:properties>
+<file path=customXml/itemProps2.xml><?xml version="1.0" encoding="utf-8"?>
+<ds:datastoreItem xmlns:ds="http://schemas.openxmlformats.org/officeDocument/2006/customXml" ds:itemID="{B0CA13EC-1D3C-4D6F-8D1C-E8A452CFC79A}">
+  <ds:schemaRefs>
+    <ds:schemaRef ds:uri="http://schemas.microsoft.com/sharepoint/v3/contenttype/forms"/>
+  </ds:schemaRefs>
+</ds:datastoreItem>
 </file>
 
-<file path=customXml/itemProps1.xml><?xml version="1.0" encoding="utf-8"?>
+<file path=customXml/itemProps3.xml><?xml version="1.0" encoding="utf-8"?>
 <ds:datastoreItem xmlns:ds="http://schemas.openxmlformats.org/officeDocument/2006/customXml" ds:itemID="{C6DB243D-F585-435F-A2EA-E3678FDD33D9}">
   <ds:schemaRefs>
     <ds:schemaRef ds:uri="http://schemas.microsoft.com/office/2006/metadata/contentType"/>
@@ -48346,28 +48022,4 @@
     <ds:schemaRef ds:uri="http://schemas.microsoft.com/internal/obd"/>
   </ds:schemaRefs>
 </ds:datastoreItem>
-</file>
-
-<file path=customXml/itemProps2.xml><?xml version="1.0" encoding="utf-8"?>
-<ds:datastoreItem xmlns:ds="http://schemas.openxmlformats.org/officeDocument/2006/customXml" ds:itemID="{B0CA13EC-1D3C-4D6F-8D1C-E8A452CFC79A}">
-  <ds:schemaRefs>
-    <ds:schemaRef ds:uri="http://schemas.microsoft.com/sharepoint/v3/contenttype/forms"/>
-  </ds:schemaRefs>
-</ds:datastoreItem>
-</file>
-
-<file path=customXml/itemProps3.xml><?xml version="1.0" encoding="utf-8"?>
-<ds:datastoreItem xmlns:ds="http://schemas.openxmlformats.org/officeDocument/2006/customXml" ds:itemID="{7025FDD9-4C58-4084-9F89-0E6ADD6FFF55}">
-  <ds:schemaRefs>
-    <ds:schemaRef ds:uri="636b0322-90fb-440c-9cbc-22749e7231e9"/>
-    <ds:schemaRef ds:uri="http://purl.org/dc/terms/"/>
-    <ds:schemaRef ds:uri="http://schemas.openxmlformats.org/package/2006/metadata/core-properties"/>
-    <ds:schemaRef ds:uri="http://schemas.microsoft.com/office/2006/documentManagement/types"/>
-    <ds:schemaRef ds:uri="http://schemas.microsoft.com/office/infopath/2007/PartnerControls"/>
-    <ds:schemaRef ds:uri="http://purl.org/dc/elements/1.1/"/>
-    <ds:schemaRef ds:uri="http://schemas.microsoft.com/office/2006/metadata/properties"/>
-    <ds:schemaRef ds:uri="http://www.w3.org/XML/1998/namespace"/>
-    <ds:schemaRef ds:uri="http://purl.org/dc/dcmitype/"/>
-  </ds:schemaRefs>
-</ds:datastoreItem>
 </file>